--- a/include/statsC++.pptx
+++ b/include/statsC++.pptx
@@ -6,8 +6,10 @@
   </p:sldMasterIdLst>
   <p:sldIdLst>
     <p:sldId id="257" r:id="rId5"/>
-    <p:sldId id="265" r:id="rId6"/>
-    <p:sldId id="259" r:id="rId7"/>
+    <p:sldId id="259" r:id="rId6"/>
+    <p:sldId id="265" r:id="rId7"/>
+    <p:sldId id="266" r:id="rId8"/>
+    <p:sldId id="267" r:id="rId9"/>
   </p:sldIdLst>
   <p:sldSz cx="12192000" cy="6858000"/>
   <p:notesSz cx="6858000" cy="9144000"/>
@@ -117,570 +119,9 @@
 <file path=ppt/revisionInfo.xml><?xml version="1.0" encoding="utf-8"?>
 <p1510:revInfo xmlns:a="http://schemas.openxmlformats.org/drawingml/2006/main" xmlns:r="http://schemas.openxmlformats.org/officeDocument/2006/relationships" xmlns:p1510="http://schemas.microsoft.com/office/powerpoint/2015/10/main">
   <p1510:revLst>
-    <p1510:client id="{0B6BB826-FACD-4F57-85F7-2E4894B01A1E}" v="3" dt="2022-06-01T13:02:31.387"/>
-    <p1510:client id="{167FF1BB-66B2-4733-B85F-9298CABA08DC}" v="97" dt="2022-06-01T13:02:24.309"/>
-    <p1510:client id="{21DC6C9D-144D-4F61-9079-E718A7597881}" v="133" dt="2022-05-31T20:39:51.339"/>
-    <p1510:client id="{29725804-EF01-4C93-B27C-83FC97110962}" v="5" dt="2022-05-31T20:49:48.926"/>
-    <p1510:client id="{6D996C35-C726-4483-BCC0-27055EA1A13D}" v="11" dt="2022-06-01T12:40:59.502"/>
-    <p1510:client id="{A3EA6720-2C74-4C40-91DF-D612622E85E9}" v="208" dt="2022-05-31T21:17:09.054"/>
-    <p1510:client id="{F98A0B6B-B854-48E9-BB31-51A830780165}" v="103" dt="2022-05-31T17:34:52.170"/>
+    <p1510:client id="{546263F5-D0EC-43C1-BFCB-7F9501787F76}" v="21" dt="2025-08-26T14:22:33.577"/>
   </p1510:revLst>
 </p1510:revInfo>
-</file>
-
-<file path=ppt/changesInfos/changesInfo1.xml><?xml version="1.0" encoding="utf-8"?>
-<pc:chgInfo xmlns:a="http://schemas.openxmlformats.org/drawingml/2006/main" xmlns:r="http://schemas.openxmlformats.org/officeDocument/2006/relationships" xmlns:ac="http://schemas.microsoft.com/office/drawing/2013/main/command" xmlns:pc="http://schemas.microsoft.com/office/powerpoint/2013/main/command">
-  <pc:docChgLst>
-    <pc:chgData name="KEUKY Constantin" userId="S::constantin.keuky@edu.devinci.fr::ae4d665d-f65a-4d9f-b38b-03f09ebb08c2" providerId="AD" clId="Web-{6D996C35-C726-4483-BCC0-27055EA1A13D}"/>
-    <pc:docChg chg="modSld">
-      <pc:chgData name="KEUKY Constantin" userId="S::constantin.keuky@edu.devinci.fr::ae4d665d-f65a-4d9f-b38b-03f09ebb08c2" providerId="AD" clId="Web-{6D996C35-C726-4483-BCC0-27055EA1A13D}" dt="2022-06-01T12:40:59.502" v="10" actId="20577"/>
-      <pc:docMkLst>
-        <pc:docMk/>
-      </pc:docMkLst>
-      <pc:sldChg chg="modSp">
-        <pc:chgData name="KEUKY Constantin" userId="S::constantin.keuky@edu.devinci.fr::ae4d665d-f65a-4d9f-b38b-03f09ebb08c2" providerId="AD" clId="Web-{6D996C35-C726-4483-BCC0-27055EA1A13D}" dt="2022-06-01T12:40:59.502" v="10" actId="20577"/>
-        <pc:sldMkLst>
-          <pc:docMk/>
-          <pc:sldMk cId="2407095513" sldId="265"/>
-        </pc:sldMkLst>
-        <pc:spChg chg="mod">
-          <ac:chgData name="KEUKY Constantin" userId="S::constantin.keuky@edu.devinci.fr::ae4d665d-f65a-4d9f-b38b-03f09ebb08c2" providerId="AD" clId="Web-{6D996C35-C726-4483-BCC0-27055EA1A13D}" dt="2022-06-01T12:40:59.502" v="10" actId="20577"/>
-          <ac:spMkLst>
-            <pc:docMk/>
-            <pc:sldMk cId="2407095513" sldId="265"/>
-            <ac:spMk id="8" creationId="{8EBEA20A-723C-24B8-EE1E-A60452A288AD}"/>
-          </ac:spMkLst>
-        </pc:spChg>
-      </pc:sldChg>
-    </pc:docChg>
-  </pc:docChgLst>
-  <pc:docChgLst>
-    <pc:chgData name="PICQUET Godefroy" userId="S::godefroy.picquet@edu.devinci.fr::ead55456-2926-4476-82df-47f503a05c3e" providerId="AD" clId="Web-{167FF1BB-66B2-4733-B85F-9298CABA08DC}"/>
-    <pc:docChg chg="modSld">
-      <pc:chgData name="PICQUET Godefroy" userId="S::godefroy.picquet@edu.devinci.fr::ead55456-2926-4476-82df-47f503a05c3e" providerId="AD" clId="Web-{167FF1BB-66B2-4733-B85F-9298CABA08DC}" dt="2022-06-01T13:02:24.309" v="72" actId="1076"/>
-      <pc:docMkLst>
-        <pc:docMk/>
-      </pc:docMkLst>
-      <pc:sldChg chg="addSp modSp">
-        <pc:chgData name="PICQUET Godefroy" userId="S::godefroy.picquet@edu.devinci.fr::ead55456-2926-4476-82df-47f503a05c3e" providerId="AD" clId="Web-{167FF1BB-66B2-4733-B85F-9298CABA08DC}" dt="2022-06-01T12:23:45.747" v="49" actId="14100"/>
-        <pc:sldMkLst>
-          <pc:docMk/>
-          <pc:sldMk cId="975436237" sldId="257"/>
-        </pc:sldMkLst>
-        <pc:spChg chg="mod">
-          <ac:chgData name="PICQUET Godefroy" userId="S::godefroy.picquet@edu.devinci.fr::ead55456-2926-4476-82df-47f503a05c3e" providerId="AD" clId="Web-{167FF1BB-66B2-4733-B85F-9298CABA08DC}" dt="2022-06-01T12:22:52.464" v="43" actId="20577"/>
-          <ac:spMkLst>
-            <pc:docMk/>
-            <pc:sldMk cId="975436237" sldId="257"/>
-            <ac:spMk id="5" creationId="{3D1A9BE5-3FC4-450B-865E-C93A36BF5243}"/>
-          </ac:spMkLst>
-        </pc:spChg>
-        <pc:spChg chg="mod">
-          <ac:chgData name="PICQUET Godefroy" userId="S::godefroy.picquet@edu.devinci.fr::ead55456-2926-4476-82df-47f503a05c3e" providerId="AD" clId="Web-{167FF1BB-66B2-4733-B85F-9298CABA08DC}" dt="2022-06-01T12:21:57.854" v="41" actId="20577"/>
-          <ac:spMkLst>
-            <pc:docMk/>
-            <pc:sldMk cId="975436237" sldId="257"/>
-            <ac:spMk id="9" creationId="{FD657811-4861-40B1-B52D-722C9DCDFC66}"/>
-          </ac:spMkLst>
-        </pc:spChg>
-        <pc:picChg chg="add mod">
-          <ac:chgData name="PICQUET Godefroy" userId="S::godefroy.picquet@edu.devinci.fr::ead55456-2926-4476-82df-47f503a05c3e" providerId="AD" clId="Web-{167FF1BB-66B2-4733-B85F-9298CABA08DC}" dt="2022-06-01T12:23:45.747" v="49" actId="14100"/>
-          <ac:picMkLst>
-            <pc:docMk/>
-            <pc:sldMk cId="975436237" sldId="257"/>
-            <ac:picMk id="2" creationId="{832B840B-9F5E-CEFB-A63A-4A54B1B6F0DA}"/>
-          </ac:picMkLst>
-        </pc:picChg>
-      </pc:sldChg>
-      <pc:sldChg chg="modSp">
-        <pc:chgData name="PICQUET Godefroy" userId="S::godefroy.picquet@edu.devinci.fr::ead55456-2926-4476-82df-47f503a05c3e" providerId="AD" clId="Web-{167FF1BB-66B2-4733-B85F-9298CABA08DC}" dt="2022-06-01T12:02:23.500" v="38" actId="20577"/>
-        <pc:sldMkLst>
-          <pc:docMk/>
-          <pc:sldMk cId="1232333570" sldId="263"/>
-        </pc:sldMkLst>
-        <pc:spChg chg="mod">
-          <ac:chgData name="PICQUET Godefroy" userId="S::godefroy.picquet@edu.devinci.fr::ead55456-2926-4476-82df-47f503a05c3e" providerId="AD" clId="Web-{167FF1BB-66B2-4733-B85F-9298CABA08DC}" dt="2022-06-01T12:02:23.500" v="38" actId="20577"/>
-          <ac:spMkLst>
-            <pc:docMk/>
-            <pc:sldMk cId="1232333570" sldId="263"/>
-            <ac:spMk id="7" creationId="{40ED986F-27D9-D0A9-D894-C4EC7DD00AB8}"/>
-          </ac:spMkLst>
-        </pc:spChg>
-      </pc:sldChg>
-      <pc:sldChg chg="modSp">
-        <pc:chgData name="PICQUET Godefroy" userId="S::godefroy.picquet@edu.devinci.fr::ead55456-2926-4476-82df-47f503a05c3e" providerId="AD" clId="Web-{167FF1BB-66B2-4733-B85F-9298CABA08DC}" dt="2022-06-01T11:55:30.366" v="17" actId="20577"/>
-        <pc:sldMkLst>
-          <pc:docMk/>
-          <pc:sldMk cId="2407095513" sldId="265"/>
-        </pc:sldMkLst>
-        <pc:spChg chg="mod">
-          <ac:chgData name="PICQUET Godefroy" userId="S::godefroy.picquet@edu.devinci.fr::ead55456-2926-4476-82df-47f503a05c3e" providerId="AD" clId="Web-{167FF1BB-66B2-4733-B85F-9298CABA08DC}" dt="2022-06-01T11:55:06.490" v="4" actId="20577"/>
-          <ac:spMkLst>
-            <pc:docMk/>
-            <pc:sldMk cId="2407095513" sldId="265"/>
-            <ac:spMk id="8" creationId="{8EBEA20A-723C-24B8-EE1E-A60452A288AD}"/>
-          </ac:spMkLst>
-        </pc:spChg>
-        <pc:spChg chg="mod">
-          <ac:chgData name="PICQUET Godefroy" userId="S::godefroy.picquet@edu.devinci.fr::ead55456-2926-4476-82df-47f503a05c3e" providerId="AD" clId="Web-{167FF1BB-66B2-4733-B85F-9298CABA08DC}" dt="2022-06-01T11:55:30.366" v="17" actId="20577"/>
-          <ac:spMkLst>
-            <pc:docMk/>
-            <pc:sldMk cId="2407095513" sldId="265"/>
-            <ac:spMk id="9" creationId="{3309CE92-89A3-454B-20C5-256A239D29A4}"/>
-          </ac:spMkLst>
-        </pc:spChg>
-      </pc:sldChg>
-      <pc:sldChg chg="addSp modSp">
-        <pc:chgData name="PICQUET Godefroy" userId="S::godefroy.picquet@edu.devinci.fr::ead55456-2926-4476-82df-47f503a05c3e" providerId="AD" clId="Web-{167FF1BB-66B2-4733-B85F-9298CABA08DC}" dt="2022-06-01T13:02:24.309" v="72" actId="1076"/>
-        <pc:sldMkLst>
-          <pc:docMk/>
-          <pc:sldMk cId="3866877613" sldId="273"/>
-        </pc:sldMkLst>
-        <pc:spChg chg="add mod">
-          <ac:chgData name="PICQUET Godefroy" userId="S::godefroy.picquet@edu.devinci.fr::ead55456-2926-4476-82df-47f503a05c3e" providerId="AD" clId="Web-{167FF1BB-66B2-4733-B85F-9298CABA08DC}" dt="2022-06-01T13:01:13.964" v="70" actId="20577"/>
-          <ac:spMkLst>
-            <pc:docMk/>
-            <pc:sldMk cId="3866877613" sldId="273"/>
-            <ac:spMk id="2" creationId="{62F38634-3689-338D-CA40-DE379A65F0DD}"/>
-          </ac:spMkLst>
-        </pc:spChg>
-        <pc:picChg chg="add mod">
-          <ac:chgData name="PICQUET Godefroy" userId="S::godefroy.picquet@edu.devinci.fr::ead55456-2926-4476-82df-47f503a05c3e" providerId="AD" clId="Web-{167FF1BB-66B2-4733-B85F-9298CABA08DC}" dt="2022-06-01T13:02:24.309" v="72" actId="1076"/>
-          <ac:picMkLst>
-            <pc:docMk/>
-            <pc:sldMk cId="3866877613" sldId="273"/>
-            <ac:picMk id="6" creationId="{D1D5930A-A0D9-4872-658D-63AA25757AB7}"/>
-          </ac:picMkLst>
-        </pc:picChg>
-      </pc:sldChg>
-      <pc:sldChg chg="modSp">
-        <pc:chgData name="PICQUET Godefroy" userId="S::godefroy.picquet@edu.devinci.fr::ead55456-2926-4476-82df-47f503a05c3e" providerId="AD" clId="Web-{167FF1BB-66B2-4733-B85F-9298CABA08DC}" dt="2022-06-01T11:56:29.179" v="34" actId="20577"/>
-        <pc:sldMkLst>
-          <pc:docMk/>
-          <pc:sldMk cId="3403360666" sldId="274"/>
-        </pc:sldMkLst>
-        <pc:spChg chg="mod">
-          <ac:chgData name="PICQUET Godefroy" userId="S::godefroy.picquet@edu.devinci.fr::ead55456-2926-4476-82df-47f503a05c3e" providerId="AD" clId="Web-{167FF1BB-66B2-4733-B85F-9298CABA08DC}" dt="2022-06-01T11:56:29.179" v="34" actId="20577"/>
-          <ac:spMkLst>
-            <pc:docMk/>
-            <pc:sldMk cId="3403360666" sldId="274"/>
-            <ac:spMk id="2" creationId="{F29F0D64-B712-0FDE-E69A-3FE227511012}"/>
-          </ac:spMkLst>
-        </pc:spChg>
-      </pc:sldChg>
-      <pc:sldChg chg="modSp">
-        <pc:chgData name="PICQUET Godefroy" userId="S::godefroy.picquet@edu.devinci.fr::ead55456-2926-4476-82df-47f503a05c3e" providerId="AD" clId="Web-{167FF1BB-66B2-4733-B85F-9298CABA08DC}" dt="2022-06-01T12:07:08.318" v="40" actId="1076"/>
-        <pc:sldMkLst>
-          <pc:docMk/>
-          <pc:sldMk cId="3122374307" sldId="275"/>
-        </pc:sldMkLst>
-        <pc:spChg chg="mod">
-          <ac:chgData name="PICQUET Godefroy" userId="S::godefroy.picquet@edu.devinci.fr::ead55456-2926-4476-82df-47f503a05c3e" providerId="AD" clId="Web-{167FF1BB-66B2-4733-B85F-9298CABA08DC}" dt="2022-06-01T12:06:58.365" v="39" actId="1076"/>
-          <ac:spMkLst>
-            <pc:docMk/>
-            <pc:sldMk cId="3122374307" sldId="275"/>
-            <ac:spMk id="7" creationId="{2DB86FB9-2EC0-3CE6-3054-8A9160553B1D}"/>
-          </ac:spMkLst>
-        </pc:spChg>
-        <pc:spChg chg="mod">
-          <ac:chgData name="PICQUET Godefroy" userId="S::godefroy.picquet@edu.devinci.fr::ead55456-2926-4476-82df-47f503a05c3e" providerId="AD" clId="Web-{167FF1BB-66B2-4733-B85F-9298CABA08DC}" dt="2022-06-01T12:07:08.318" v="40" actId="1076"/>
-          <ac:spMkLst>
-            <pc:docMk/>
-            <pc:sldMk cId="3122374307" sldId="275"/>
-            <ac:spMk id="9" creationId="{273064E4-3E01-DA81-AD4B-8C2634B2A3B1}"/>
-          </ac:spMkLst>
-        </pc:spChg>
-      </pc:sldChg>
-      <pc:sldChg chg="delSp modSp">
-        <pc:chgData name="PICQUET Godefroy" userId="S::godefroy.picquet@edu.devinci.fr::ead55456-2926-4476-82df-47f503a05c3e" providerId="AD" clId="Web-{167FF1BB-66B2-4733-B85F-9298CABA08DC}" dt="2022-06-01T11:55:46.928" v="19"/>
-        <pc:sldMkLst>
-          <pc:docMk/>
-          <pc:sldMk cId="1673479984" sldId="276"/>
-        </pc:sldMkLst>
-        <pc:spChg chg="del mod">
-          <ac:chgData name="PICQUET Godefroy" userId="S::godefroy.picquet@edu.devinci.fr::ead55456-2926-4476-82df-47f503a05c3e" providerId="AD" clId="Web-{167FF1BB-66B2-4733-B85F-9298CABA08DC}" dt="2022-06-01T11:55:46.928" v="19"/>
-          <ac:spMkLst>
-            <pc:docMk/>
-            <pc:sldMk cId="1673479984" sldId="276"/>
-            <ac:spMk id="2" creationId="{3305EF3F-2CE2-872F-CDF6-A9EEAD737CDD}"/>
-          </ac:spMkLst>
-        </pc:spChg>
-      </pc:sldChg>
-    </pc:docChg>
-  </pc:docChgLst>
-  <pc:docChgLst>
-    <pc:chgData name="PICQUET Godefroy" userId="S::godefroy.picquet@edu.devinci.fr::ead55456-2926-4476-82df-47f503a05c3e" providerId="AD" clId="Web-{F98A0B6B-B854-48E9-BB31-51A830780165}"/>
-    <pc:docChg chg="modSld">
-      <pc:chgData name="PICQUET Godefroy" userId="S::godefroy.picquet@edu.devinci.fr::ead55456-2926-4476-82df-47f503a05c3e" providerId="AD" clId="Web-{F98A0B6B-B854-48E9-BB31-51A830780165}" dt="2022-05-31T17:34:52.170" v="56" actId="1076"/>
-      <pc:docMkLst>
-        <pc:docMk/>
-      </pc:docMkLst>
-      <pc:sldChg chg="addSp delSp modSp">
-        <pc:chgData name="PICQUET Godefroy" userId="S::godefroy.picquet@edu.devinci.fr::ead55456-2926-4476-82df-47f503a05c3e" providerId="AD" clId="Web-{F98A0B6B-B854-48E9-BB31-51A830780165}" dt="2022-05-31T17:34:52.170" v="56" actId="1076"/>
-        <pc:sldMkLst>
-          <pc:docMk/>
-          <pc:sldMk cId="3122374307" sldId="275"/>
-        </pc:sldMkLst>
-        <pc:spChg chg="add mod">
-          <ac:chgData name="PICQUET Godefroy" userId="S::godefroy.picquet@edu.devinci.fr::ead55456-2926-4476-82df-47f503a05c3e" providerId="AD" clId="Web-{F98A0B6B-B854-48E9-BB31-51A830780165}" dt="2022-05-31T17:34:46.013" v="53" actId="20577"/>
-          <ac:spMkLst>
-            <pc:docMk/>
-            <pc:sldMk cId="3122374307" sldId="275"/>
-            <ac:spMk id="2" creationId="{787E2052-B3EB-DC1A-5C26-33ACACA30DC5}"/>
-          </ac:spMkLst>
-        </pc:spChg>
-        <pc:spChg chg="del">
-          <ac:chgData name="PICQUET Godefroy" userId="S::godefroy.picquet@edu.devinci.fr::ead55456-2926-4476-82df-47f503a05c3e" providerId="AD" clId="Web-{F98A0B6B-B854-48E9-BB31-51A830780165}" dt="2022-05-31T17:33:28.058" v="51"/>
-          <ac:spMkLst>
-            <pc:docMk/>
-            <pc:sldMk cId="3122374307" sldId="275"/>
-            <ac:spMk id="8" creationId="{8EBEA20A-723C-24B8-EE1E-A60452A288AD}"/>
-          </ac:spMkLst>
-        </pc:spChg>
-        <pc:spChg chg="del">
-          <ac:chgData name="PICQUET Godefroy" userId="S::godefroy.picquet@edu.devinci.fr::ead55456-2926-4476-82df-47f503a05c3e" providerId="AD" clId="Web-{F98A0B6B-B854-48E9-BB31-51A830780165}" dt="2022-05-31T17:33:26.261" v="50"/>
-          <ac:spMkLst>
-            <pc:docMk/>
-            <pc:sldMk cId="3122374307" sldId="275"/>
-            <ac:spMk id="13" creationId="{C7397894-7476-88A4-B76C-F707712791C4}"/>
-          </ac:spMkLst>
-        </pc:spChg>
-        <pc:picChg chg="add mod">
-          <ac:chgData name="PICQUET Godefroy" userId="S::godefroy.picquet@edu.devinci.fr::ead55456-2926-4476-82df-47f503a05c3e" providerId="AD" clId="Web-{F98A0B6B-B854-48E9-BB31-51A830780165}" dt="2022-05-31T17:34:52.170" v="56" actId="1076"/>
-          <ac:picMkLst>
-            <pc:docMk/>
-            <pc:sldMk cId="3122374307" sldId="275"/>
-            <ac:picMk id="6" creationId="{AFDAD473-5264-EA4A-AB93-99D185843CE4}"/>
-          </ac:picMkLst>
-        </pc:picChg>
-      </pc:sldChg>
-    </pc:docChg>
-  </pc:docChgLst>
-  <pc:docChgLst>
-    <pc:chgData name="Constantin KEUKY" userId="ae4d665d-f65a-4d9f-b38b-03f09ebb08c2" providerId="ADAL" clId="{039BF57C-47B2-C646-9E05-88EF88BE66A0}"/>
-    <pc:docChg chg="custSel modSld">
-      <pc:chgData name="Constantin KEUKY" userId="ae4d665d-f65a-4d9f-b38b-03f09ebb08c2" providerId="ADAL" clId="{039BF57C-47B2-C646-9E05-88EF88BE66A0}" dt="2022-05-31T20:48:46.243" v="949" actId="20577"/>
-      <pc:docMkLst>
-        <pc:docMk/>
-      </pc:docMkLst>
-      <pc:sldChg chg="modSp mod">
-        <pc:chgData name="Constantin KEUKY" userId="ae4d665d-f65a-4d9f-b38b-03f09ebb08c2" providerId="ADAL" clId="{039BF57C-47B2-C646-9E05-88EF88BE66A0}" dt="2022-05-31T20:48:46.243" v="949" actId="20577"/>
-        <pc:sldMkLst>
-          <pc:docMk/>
-          <pc:sldMk cId="1232333570" sldId="263"/>
-        </pc:sldMkLst>
-        <pc:spChg chg="mod">
-          <ac:chgData name="Constantin KEUKY" userId="ae4d665d-f65a-4d9f-b38b-03f09ebb08c2" providerId="ADAL" clId="{039BF57C-47B2-C646-9E05-88EF88BE66A0}" dt="2022-05-31T20:45:28.406" v="502" actId="20577"/>
-          <ac:spMkLst>
-            <pc:docMk/>
-            <pc:sldMk cId="1232333570" sldId="263"/>
-            <ac:spMk id="7" creationId="{40ED986F-27D9-D0A9-D894-C4EC7DD00AB8}"/>
-          </ac:spMkLst>
-        </pc:spChg>
-        <pc:spChg chg="mod">
-          <ac:chgData name="Constantin KEUKY" userId="ae4d665d-f65a-4d9f-b38b-03f09ebb08c2" providerId="ADAL" clId="{039BF57C-47B2-C646-9E05-88EF88BE66A0}" dt="2022-05-31T20:48:46.243" v="949" actId="20577"/>
-          <ac:spMkLst>
-            <pc:docMk/>
-            <pc:sldMk cId="1232333570" sldId="263"/>
-            <ac:spMk id="9" creationId="{FACDCE0D-36F4-89C5-512F-C63742EC8DCF}"/>
-          </ac:spMkLst>
-        </pc:spChg>
-      </pc:sldChg>
-    </pc:docChg>
-  </pc:docChgLst>
-  <pc:docChgLst>
-    <pc:chgData name="KEUKY Constantin" userId="S::constantin.keuky@edu.devinci.fr::ae4d665d-f65a-4d9f-b38b-03f09ebb08c2" providerId="AD" clId="Web-{0B6BB826-FACD-4F57-85F7-2E4894B01A1E}"/>
-    <pc:docChg chg="modSld">
-      <pc:chgData name="KEUKY Constantin" userId="S::constantin.keuky@edu.devinci.fr::ae4d665d-f65a-4d9f-b38b-03f09ebb08c2" providerId="AD" clId="Web-{0B6BB826-FACD-4F57-85F7-2E4894B01A1E}" dt="2022-06-01T13:02:30.434" v="1" actId="20577"/>
-      <pc:docMkLst>
-        <pc:docMk/>
-      </pc:docMkLst>
-      <pc:sldChg chg="modSp">
-        <pc:chgData name="KEUKY Constantin" userId="S::constantin.keuky@edu.devinci.fr::ae4d665d-f65a-4d9f-b38b-03f09ebb08c2" providerId="AD" clId="Web-{0B6BB826-FACD-4F57-85F7-2E4894B01A1E}" dt="2022-06-01T13:02:30.434" v="1" actId="20577"/>
-        <pc:sldMkLst>
-          <pc:docMk/>
-          <pc:sldMk cId="3866877613" sldId="273"/>
-        </pc:sldMkLst>
-        <pc:spChg chg="mod">
-          <ac:chgData name="KEUKY Constantin" userId="S::constantin.keuky@edu.devinci.fr::ae4d665d-f65a-4d9f-b38b-03f09ebb08c2" providerId="AD" clId="Web-{0B6BB826-FACD-4F57-85F7-2E4894B01A1E}" dt="2022-06-01T13:02:30.434" v="1" actId="20577"/>
-          <ac:spMkLst>
-            <pc:docMk/>
-            <pc:sldMk cId="3866877613" sldId="273"/>
-            <ac:spMk id="2" creationId="{62F38634-3689-338D-CA40-DE379A65F0DD}"/>
-          </ac:spMkLst>
-        </pc:spChg>
-      </pc:sldChg>
-    </pc:docChg>
-  </pc:docChgLst>
-  <pc:docChgLst>
-    <pc:chgData name="KERGROHENN Elouan" userId="S::elouan.kergrohenn@edu.devinci.fr::e62904a9-d9ba-448f-b18d-3cc10117d71f" providerId="AD" clId="Web-{A3EA6720-2C74-4C40-91DF-D612622E85E9}"/>
-    <pc:docChg chg="modSld">
-      <pc:chgData name="KERGROHENN Elouan" userId="S::elouan.kergrohenn@edu.devinci.fr::e62904a9-d9ba-448f-b18d-3cc10117d71f" providerId="AD" clId="Web-{A3EA6720-2C74-4C40-91DF-D612622E85E9}" dt="2022-05-31T21:17:08.788" v="130" actId="20577"/>
-      <pc:docMkLst>
-        <pc:docMk/>
-      </pc:docMkLst>
-      <pc:sldChg chg="addSp delSp modSp">
-        <pc:chgData name="KERGROHENN Elouan" userId="S::elouan.kergrohenn@edu.devinci.fr::e62904a9-d9ba-448f-b18d-3cc10117d71f" providerId="AD" clId="Web-{A3EA6720-2C74-4C40-91DF-D612622E85E9}" dt="2022-05-31T21:17:08.788" v="130" actId="20577"/>
-        <pc:sldMkLst>
-          <pc:docMk/>
-          <pc:sldMk cId="3403360666" sldId="274"/>
-        </pc:sldMkLst>
-        <pc:spChg chg="add mod">
-          <ac:chgData name="KERGROHENN Elouan" userId="S::elouan.kergrohenn@edu.devinci.fr::e62904a9-d9ba-448f-b18d-3cc10117d71f" providerId="AD" clId="Web-{A3EA6720-2C74-4C40-91DF-D612622E85E9}" dt="2022-05-31T21:17:08.788" v="130" actId="20577"/>
-          <ac:spMkLst>
-            <pc:docMk/>
-            <pc:sldMk cId="3403360666" sldId="274"/>
-            <ac:spMk id="2" creationId="{F29F0D64-B712-0FDE-E69A-3FE227511012}"/>
-          </ac:spMkLst>
-        </pc:spChg>
-        <pc:spChg chg="mod">
-          <ac:chgData name="KERGROHENN Elouan" userId="S::elouan.kergrohenn@edu.devinci.fr::e62904a9-d9ba-448f-b18d-3cc10117d71f" providerId="AD" clId="Web-{A3EA6720-2C74-4C40-91DF-D612622E85E9}" dt="2022-05-31T21:15:08.953" v="118" actId="14100"/>
-          <ac:spMkLst>
-            <pc:docMk/>
-            <pc:sldMk cId="3403360666" sldId="274"/>
-            <ac:spMk id="8" creationId="{8EBEA20A-723C-24B8-EE1E-A60452A288AD}"/>
-          </ac:spMkLst>
-        </pc:spChg>
-        <pc:spChg chg="mod">
-          <ac:chgData name="KERGROHENN Elouan" userId="S::elouan.kergrohenn@edu.devinci.fr::e62904a9-d9ba-448f-b18d-3cc10117d71f" providerId="AD" clId="Web-{A3EA6720-2C74-4C40-91DF-D612622E85E9}" dt="2022-05-31T21:13:47.792" v="101" actId="1076"/>
-          <ac:spMkLst>
-            <pc:docMk/>
-            <pc:sldMk cId="3403360666" sldId="274"/>
-            <ac:spMk id="13" creationId="{C7397894-7476-88A4-B76C-F707712791C4}"/>
-          </ac:spMkLst>
-        </pc:spChg>
-        <pc:picChg chg="add del mod">
-          <ac:chgData name="KERGROHENN Elouan" userId="S::elouan.kergrohenn@edu.devinci.fr::e62904a9-d9ba-448f-b18d-3cc10117d71f" providerId="AD" clId="Web-{A3EA6720-2C74-4C40-91DF-D612622E85E9}" dt="2022-05-31T21:12:04.911" v="96"/>
-          <ac:picMkLst>
-            <pc:docMk/>
-            <pc:sldMk cId="3403360666" sldId="274"/>
-            <ac:picMk id="6" creationId="{6A279E82-04D8-B1DD-7D79-7C25D606495E}"/>
-          </ac:picMkLst>
-        </pc:picChg>
-        <pc:picChg chg="add mod">
-          <ac:chgData name="KERGROHENN Elouan" userId="S::elouan.kergrohenn@edu.devinci.fr::e62904a9-d9ba-448f-b18d-3cc10117d71f" providerId="AD" clId="Web-{A3EA6720-2C74-4C40-91DF-D612622E85E9}" dt="2022-05-31T21:15:23.657" v="124" actId="14100"/>
-          <ac:picMkLst>
-            <pc:docMk/>
-            <pc:sldMk cId="3403360666" sldId="274"/>
-            <ac:picMk id="9" creationId="{ABDCF367-4E2D-0C59-49F1-864101DFA383}"/>
-          </ac:picMkLst>
-        </pc:picChg>
-        <pc:picChg chg="add mod">
-          <ac:chgData name="KERGROHENN Elouan" userId="S::elouan.kergrohenn@edu.devinci.fr::e62904a9-d9ba-448f-b18d-3cc10117d71f" providerId="AD" clId="Web-{A3EA6720-2C74-4C40-91DF-D612622E85E9}" dt="2022-05-31T21:15:21" v="123" actId="14100"/>
-          <ac:picMkLst>
-            <pc:docMk/>
-            <pc:sldMk cId="3403360666" sldId="274"/>
-            <ac:picMk id="10" creationId="{7B353A76-4899-A32D-DA94-47775B192C28}"/>
-          </ac:picMkLst>
-        </pc:picChg>
-        <pc:picChg chg="add mod">
-          <ac:chgData name="KERGROHENN Elouan" userId="S::elouan.kergrohenn@edu.devinci.fr::e62904a9-d9ba-448f-b18d-3cc10117d71f" providerId="AD" clId="Web-{A3EA6720-2C74-4C40-91DF-D612622E85E9}" dt="2022-05-31T21:15:29.610" v="125" actId="14100"/>
-          <ac:picMkLst>
-            <pc:docMk/>
-            <pc:sldMk cId="3403360666" sldId="274"/>
-            <ac:picMk id="14" creationId="{9B7F5576-B2CF-63D7-BF17-06E4403940CA}"/>
-          </ac:picMkLst>
-        </pc:picChg>
-      </pc:sldChg>
-      <pc:sldChg chg="addSp">
-        <pc:chgData name="KERGROHENN Elouan" userId="S::elouan.kergrohenn@edu.devinci.fr::e62904a9-d9ba-448f-b18d-3cc10117d71f" providerId="AD" clId="Web-{A3EA6720-2C74-4C40-91DF-D612622E85E9}" dt="2022-05-31T21:16:59.991" v="126"/>
-        <pc:sldMkLst>
-          <pc:docMk/>
-          <pc:sldMk cId="1673479984" sldId="276"/>
-        </pc:sldMkLst>
-        <pc:spChg chg="add">
-          <ac:chgData name="KERGROHENN Elouan" userId="S::elouan.kergrohenn@edu.devinci.fr::e62904a9-d9ba-448f-b18d-3cc10117d71f" providerId="AD" clId="Web-{A3EA6720-2C74-4C40-91DF-D612622E85E9}" dt="2022-05-31T21:16:59.991" v="126"/>
-          <ac:spMkLst>
-            <pc:docMk/>
-            <pc:sldMk cId="1673479984" sldId="276"/>
-            <ac:spMk id="2" creationId="{3305EF3F-2CE2-872F-CDF6-A9EEAD737CDD}"/>
-          </ac:spMkLst>
-        </pc:spChg>
-      </pc:sldChg>
-    </pc:docChg>
-  </pc:docChgLst>
-  <pc:docChgLst>
-    <pc:chgData name="KEUKY Constantin" userId="S::constantin.keuky@edu.devinci.fr::ae4d665d-f65a-4d9f-b38b-03f09ebb08c2" providerId="AD" clId="Web-{29725804-EF01-4C93-B27C-83FC97110962}"/>
-    <pc:docChg chg="modSld">
-      <pc:chgData name="KEUKY Constantin" userId="S::constantin.keuky@edu.devinci.fr::ae4d665d-f65a-4d9f-b38b-03f09ebb08c2" providerId="AD" clId="Web-{29725804-EF01-4C93-B27C-83FC97110962}" dt="2022-05-31T20:49:48.926" v="3" actId="20577"/>
-      <pc:docMkLst>
-        <pc:docMk/>
-      </pc:docMkLst>
-      <pc:sldChg chg="delSp modSp">
-        <pc:chgData name="KEUKY Constantin" userId="S::constantin.keuky@edu.devinci.fr::ae4d665d-f65a-4d9f-b38b-03f09ebb08c2" providerId="AD" clId="Web-{29725804-EF01-4C93-B27C-83FC97110962}" dt="2022-05-31T20:49:48.926" v="3" actId="20577"/>
-        <pc:sldMkLst>
-          <pc:docMk/>
-          <pc:sldMk cId="1232333570" sldId="263"/>
-        </pc:sldMkLst>
-        <pc:spChg chg="del mod">
-          <ac:chgData name="KEUKY Constantin" userId="S::constantin.keuky@edu.devinci.fr::ae4d665d-f65a-4d9f-b38b-03f09ebb08c2" providerId="AD" clId="Web-{29725804-EF01-4C93-B27C-83FC97110962}" dt="2022-05-31T20:49:40.566" v="1"/>
-          <ac:spMkLst>
-            <pc:docMk/>
-            <pc:sldMk cId="1232333570" sldId="263"/>
-            <ac:spMk id="2" creationId="{CC24B293-5087-4F3E-B28D-B2DEA24D1A63}"/>
-          </ac:spMkLst>
-        </pc:spChg>
-        <pc:spChg chg="mod">
-          <ac:chgData name="KEUKY Constantin" userId="S::constantin.keuky@edu.devinci.fr::ae4d665d-f65a-4d9f-b38b-03f09ebb08c2" providerId="AD" clId="Web-{29725804-EF01-4C93-B27C-83FC97110962}" dt="2022-05-31T20:49:48.926" v="3" actId="20577"/>
-          <ac:spMkLst>
-            <pc:docMk/>
-            <pc:sldMk cId="1232333570" sldId="263"/>
-            <ac:spMk id="7" creationId="{40ED986F-27D9-D0A9-D894-C4EC7DD00AB8}"/>
-          </ac:spMkLst>
-        </pc:spChg>
-      </pc:sldChg>
-    </pc:docChg>
-  </pc:docChgLst>
-  <pc:docChgLst>
-    <pc:chgData name="KEUKY Constantin" userId="S::constantin.keuky@edu.devinci.fr::ae4d665d-f65a-4d9f-b38b-03f09ebb08c2" providerId="AD" clId="Web-{21DC6C9D-144D-4F61-9079-E718A7597881}"/>
-    <pc:docChg chg="modSld">
-      <pc:chgData name="KEUKY Constantin" userId="S::constantin.keuky@edu.devinci.fr::ae4d665d-f65a-4d9f-b38b-03f09ebb08c2" providerId="AD" clId="Web-{21DC6C9D-144D-4F61-9079-E718A7597881}" dt="2022-05-31T20:39:51.339" v="124" actId="20577"/>
-      <pc:docMkLst>
-        <pc:docMk/>
-      </pc:docMkLst>
-      <pc:sldChg chg="addSp modSp">
-        <pc:chgData name="KEUKY Constantin" userId="S::constantin.keuky@edu.devinci.fr::ae4d665d-f65a-4d9f-b38b-03f09ebb08c2" providerId="AD" clId="Web-{21DC6C9D-144D-4F61-9079-E718A7597881}" dt="2022-05-31T20:39:51.339" v="124" actId="20577"/>
-        <pc:sldMkLst>
-          <pc:docMk/>
-          <pc:sldMk cId="1232333570" sldId="263"/>
-        </pc:sldMkLst>
-        <pc:spChg chg="mod">
-          <ac:chgData name="KEUKY Constantin" userId="S::constantin.keuky@edu.devinci.fr::ae4d665d-f65a-4d9f-b38b-03f09ebb08c2" providerId="AD" clId="Web-{21DC6C9D-144D-4F61-9079-E718A7597881}" dt="2022-05-31T20:37:30.476" v="113" actId="1076"/>
-          <ac:spMkLst>
-            <pc:docMk/>
-            <pc:sldMk cId="1232333570" sldId="263"/>
-            <ac:spMk id="2" creationId="{CC24B293-5087-4F3E-B28D-B2DEA24D1A63}"/>
-          </ac:spMkLst>
-        </pc:spChg>
-        <pc:spChg chg="mod">
-          <ac:chgData name="KEUKY Constantin" userId="S::constantin.keuky@edu.devinci.fr::ae4d665d-f65a-4d9f-b38b-03f09ebb08c2" providerId="AD" clId="Web-{21DC6C9D-144D-4F61-9079-E718A7597881}" dt="2022-05-31T20:36:23.817" v="80" actId="1076"/>
-          <ac:spMkLst>
-            <pc:docMk/>
-            <pc:sldMk cId="1232333570" sldId="263"/>
-            <ac:spMk id="6" creationId="{9B67756F-CBEC-46BA-9DB6-B8B3A9DED678}"/>
-          </ac:spMkLst>
-        </pc:spChg>
-        <pc:spChg chg="add">
-          <ac:chgData name="KEUKY Constantin" userId="S::constantin.keuky@edu.devinci.fr::ae4d665d-f65a-4d9f-b38b-03f09ebb08c2" providerId="AD" clId="Web-{21DC6C9D-144D-4F61-9079-E718A7597881}" dt="2022-05-31T20:36:48.927" v="82"/>
-          <ac:spMkLst>
-            <pc:docMk/>
-            <pc:sldMk cId="1232333570" sldId="263"/>
-            <ac:spMk id="7" creationId="{40ED986F-27D9-D0A9-D894-C4EC7DD00AB8}"/>
-          </ac:spMkLst>
-        </pc:spChg>
-        <pc:spChg chg="add">
-          <ac:chgData name="KEUKY Constantin" userId="S::constantin.keuky@edu.devinci.fr::ae4d665d-f65a-4d9f-b38b-03f09ebb08c2" providerId="AD" clId="Web-{21DC6C9D-144D-4F61-9079-E718A7597881}" dt="2022-05-31T20:36:48.943" v="83"/>
-          <ac:spMkLst>
-            <pc:docMk/>
-            <pc:sldMk cId="1232333570" sldId="263"/>
-            <ac:spMk id="9" creationId="{FACDCE0D-36F4-89C5-512F-C63742EC8DCF}"/>
-          </ac:spMkLst>
-        </pc:spChg>
-        <pc:spChg chg="add mod">
-          <ac:chgData name="KEUKY Constantin" userId="S::constantin.keuky@edu.devinci.fr::ae4d665d-f65a-4d9f-b38b-03f09ebb08c2" providerId="AD" clId="Web-{21DC6C9D-144D-4F61-9079-E718A7597881}" dt="2022-05-31T20:37:35.163" v="114" actId="20577"/>
-          <ac:spMkLst>
-            <pc:docMk/>
-            <pc:sldMk cId="1232333570" sldId="263"/>
-            <ac:spMk id="11" creationId="{672EEF49-471D-EB08-D9E6-6718BB46266C}"/>
-          </ac:spMkLst>
-        </pc:spChg>
-        <pc:spChg chg="add mod">
-          <ac:chgData name="KEUKY Constantin" userId="S::constantin.keuky@edu.devinci.fr::ae4d665d-f65a-4d9f-b38b-03f09ebb08c2" providerId="AD" clId="Web-{21DC6C9D-144D-4F61-9079-E718A7597881}" dt="2022-05-31T20:39:51.339" v="124" actId="20577"/>
-          <ac:spMkLst>
-            <pc:docMk/>
-            <pc:sldMk cId="1232333570" sldId="263"/>
-            <ac:spMk id="13" creationId="{73D1683F-5886-8873-9388-AC4F21F830E0}"/>
-          </ac:spMkLst>
-        </pc:spChg>
-      </pc:sldChg>
-      <pc:sldChg chg="modSp">
-        <pc:chgData name="KEUKY Constantin" userId="S::constantin.keuky@edu.devinci.fr::ae4d665d-f65a-4d9f-b38b-03f09ebb08c2" providerId="AD" clId="Web-{21DC6C9D-144D-4F61-9079-E718A7597881}" dt="2022-05-31T20:31:47.528" v="44" actId="20577"/>
-        <pc:sldMkLst>
-          <pc:docMk/>
-          <pc:sldMk cId="2142755614" sldId="269"/>
-        </pc:sldMkLst>
-        <pc:spChg chg="mod">
-          <ac:chgData name="KEUKY Constantin" userId="S::constantin.keuky@edu.devinci.fr::ae4d665d-f65a-4d9f-b38b-03f09ebb08c2" providerId="AD" clId="Web-{21DC6C9D-144D-4F61-9079-E718A7597881}" dt="2022-05-31T20:31:47.528" v="44" actId="20577"/>
-          <ac:spMkLst>
-            <pc:docMk/>
-            <pc:sldMk cId="2142755614" sldId="269"/>
-            <ac:spMk id="8" creationId="{8EBEA20A-723C-24B8-EE1E-A60452A288AD}"/>
-          </ac:spMkLst>
-        </pc:spChg>
-      </pc:sldChg>
-      <pc:sldChg chg="addSp delSp modSp">
-        <pc:chgData name="KEUKY Constantin" userId="S::constantin.keuky@edu.devinci.fr::ae4d665d-f65a-4d9f-b38b-03f09ebb08c2" providerId="AD" clId="Web-{21DC6C9D-144D-4F61-9079-E718A7597881}" dt="2022-05-31T20:35:28.691" v="76"/>
-        <pc:sldMkLst>
-          <pc:docMk/>
-          <pc:sldMk cId="3122374307" sldId="275"/>
-        </pc:sldMkLst>
-        <pc:spChg chg="del mod">
-          <ac:chgData name="KEUKY Constantin" userId="S::constantin.keuky@edu.devinci.fr::ae4d665d-f65a-4d9f-b38b-03f09ebb08c2" providerId="AD" clId="Web-{21DC6C9D-144D-4F61-9079-E718A7597881}" dt="2022-05-31T20:33:40.438" v="58"/>
-          <ac:spMkLst>
-            <pc:docMk/>
-            <pc:sldMk cId="3122374307" sldId="275"/>
-            <ac:spMk id="2" creationId="{787E2052-B3EB-DC1A-5C26-33ACACA30DC5}"/>
-          </ac:spMkLst>
-        </pc:spChg>
-        <pc:spChg chg="mod">
-          <ac:chgData name="KEUKY Constantin" userId="S::constantin.keuky@edu.devinci.fr::ae4d665d-f65a-4d9f-b38b-03f09ebb08c2" providerId="AD" clId="Web-{21DC6C9D-144D-4F61-9079-E718A7597881}" dt="2022-05-31T20:34:01.001" v="64" actId="20577"/>
-          <ac:spMkLst>
-            <pc:docMk/>
-            <pc:sldMk cId="3122374307" sldId="275"/>
-            <ac:spMk id="7" creationId="{2DB86FB9-2EC0-3CE6-3054-8A9160553B1D}"/>
-          </ac:spMkLst>
-        </pc:spChg>
-        <pc:spChg chg="add mod">
-          <ac:chgData name="KEUKY Constantin" userId="S::constantin.keuky@edu.devinci.fr::ae4d665d-f65a-4d9f-b38b-03f09ebb08c2" providerId="AD" clId="Web-{21DC6C9D-144D-4F61-9079-E718A7597881}" dt="2022-05-31T20:34:52.330" v="70" actId="14100"/>
-          <ac:spMkLst>
-            <pc:docMk/>
-            <pc:sldMk cId="3122374307" sldId="275"/>
-            <ac:spMk id="9" creationId="{273064E4-3E01-DA81-AD4B-8C2634B2A3B1}"/>
-          </ac:spMkLst>
-        </pc:spChg>
-        <pc:spChg chg="add mod">
-          <ac:chgData name="KEUKY Constantin" userId="S::constantin.keuky@edu.devinci.fr::ae4d665d-f65a-4d9f-b38b-03f09ebb08c2" providerId="AD" clId="Web-{21DC6C9D-144D-4F61-9079-E718A7597881}" dt="2022-05-31T20:34:52.346" v="71" actId="14100"/>
-          <ac:spMkLst>
-            <pc:docMk/>
-            <pc:sldMk cId="3122374307" sldId="275"/>
-            <ac:spMk id="13" creationId="{6624DCE3-3F2A-F7D8-F8BA-3F456A96DD33}"/>
-          </ac:spMkLst>
-        </pc:spChg>
-        <pc:picChg chg="mod modCrop">
-          <ac:chgData name="KEUKY Constantin" userId="S::constantin.keuky@edu.devinci.fr::ae4d665d-f65a-4d9f-b38b-03f09ebb08c2" providerId="AD" clId="Web-{21DC6C9D-144D-4F61-9079-E718A7597881}" dt="2022-05-31T20:35:28.691" v="76"/>
-          <ac:picMkLst>
-            <pc:docMk/>
-            <pc:sldMk cId="3122374307" sldId="275"/>
-            <ac:picMk id="6" creationId="{AFDAD473-5264-EA4A-AB93-99D185843CE4}"/>
-          </ac:picMkLst>
-        </pc:picChg>
-      </pc:sldChg>
-      <pc:sldChg chg="modSp">
-        <pc:chgData name="KEUKY Constantin" userId="S::constantin.keuky@edu.devinci.fr::ae4d665d-f65a-4d9f-b38b-03f09ebb08c2" providerId="AD" clId="Web-{21DC6C9D-144D-4F61-9079-E718A7597881}" dt="2022-05-31T20:34:40.486" v="69" actId="14100"/>
-        <pc:sldMkLst>
-          <pc:docMk/>
-          <pc:sldMk cId="1673479984" sldId="276"/>
-        </pc:sldMkLst>
-        <pc:spChg chg="mod">
-          <ac:chgData name="KEUKY Constantin" userId="S::constantin.keuky@edu.devinci.fr::ae4d665d-f65a-4d9f-b38b-03f09ebb08c2" providerId="AD" clId="Web-{21DC6C9D-144D-4F61-9079-E718A7597881}" dt="2022-05-31T20:34:40.486" v="69" actId="14100"/>
-          <ac:spMkLst>
-            <pc:docMk/>
-            <pc:sldMk cId="1673479984" sldId="276"/>
-            <ac:spMk id="8" creationId="{8EBEA20A-723C-24B8-EE1E-A60452A288AD}"/>
-          </ac:spMkLst>
-        </pc:spChg>
-        <pc:spChg chg="mod">
-          <ac:chgData name="KEUKY Constantin" userId="S::constantin.keuky@edu.devinci.fr::ae4d665d-f65a-4d9f-b38b-03f09ebb08c2" providerId="AD" clId="Web-{21DC6C9D-144D-4F61-9079-E718A7597881}" dt="2022-05-31T20:34:33.080" v="68"/>
-          <ac:spMkLst>
-            <pc:docMk/>
-            <pc:sldMk cId="1673479984" sldId="276"/>
-            <ac:spMk id="13" creationId="{C7397894-7476-88A4-B76C-F707712791C4}"/>
-          </ac:spMkLst>
-        </pc:spChg>
-      </pc:sldChg>
-    </pc:docChg>
-  </pc:docChgLst>
-</pc:chgInfo>
 </file>
 
 <file path=ppt/slideLayouts/slideLayout1.xml><?xml version="1.0" encoding="utf-8"?>
@@ -830,7 +271,7 @@
           <a:p>
             <a:fld id="{F2137E03-85F5-4258-96E4-5478DBFEB42D}" type="datetimeFigureOut">
               <a:rPr lang="fr-FR" smtClean="0"/>
-              <a:t>25/08/2025</a:t>
+              <a:t>26/08/2025</a:t>
             </a:fld>
             <a:endParaRPr lang="fr-FR"/>
           </a:p>
@@ -1028,7 +469,7 @@
           <a:p>
             <a:fld id="{F2137E03-85F5-4258-96E4-5478DBFEB42D}" type="datetimeFigureOut">
               <a:rPr lang="fr-FR" smtClean="0"/>
-              <a:t>25/08/2025</a:t>
+              <a:t>26/08/2025</a:t>
             </a:fld>
             <a:endParaRPr lang="fr-FR"/>
           </a:p>
@@ -1236,7 +677,7 @@
           <a:p>
             <a:fld id="{F2137E03-85F5-4258-96E4-5478DBFEB42D}" type="datetimeFigureOut">
               <a:rPr lang="fr-FR" smtClean="0"/>
-              <a:t>25/08/2025</a:t>
+              <a:t>26/08/2025</a:t>
             </a:fld>
             <a:endParaRPr lang="fr-FR"/>
           </a:p>
@@ -1434,7 +875,7 @@
           <a:p>
             <a:fld id="{F2137E03-85F5-4258-96E4-5478DBFEB42D}" type="datetimeFigureOut">
               <a:rPr lang="fr-FR" smtClean="0"/>
-              <a:t>25/08/2025</a:t>
+              <a:t>26/08/2025</a:t>
             </a:fld>
             <a:endParaRPr lang="fr-FR"/>
           </a:p>
@@ -1709,7 +1150,7 @@
           <a:p>
             <a:fld id="{F2137E03-85F5-4258-96E4-5478DBFEB42D}" type="datetimeFigureOut">
               <a:rPr lang="fr-FR" smtClean="0"/>
-              <a:t>25/08/2025</a:t>
+              <a:t>26/08/2025</a:t>
             </a:fld>
             <a:endParaRPr lang="fr-FR"/>
           </a:p>
@@ -1974,7 +1415,7 @@
           <a:p>
             <a:fld id="{F2137E03-85F5-4258-96E4-5478DBFEB42D}" type="datetimeFigureOut">
               <a:rPr lang="fr-FR" smtClean="0"/>
-              <a:t>25/08/2025</a:t>
+              <a:t>26/08/2025</a:t>
             </a:fld>
             <a:endParaRPr lang="fr-FR"/>
           </a:p>
@@ -2386,7 +1827,7 @@
           <a:p>
             <a:fld id="{F2137E03-85F5-4258-96E4-5478DBFEB42D}" type="datetimeFigureOut">
               <a:rPr lang="fr-FR" smtClean="0"/>
-              <a:t>25/08/2025</a:t>
+              <a:t>26/08/2025</a:t>
             </a:fld>
             <a:endParaRPr lang="fr-FR"/>
           </a:p>
@@ -2527,7 +1968,7 @@
           <a:p>
             <a:fld id="{F2137E03-85F5-4258-96E4-5478DBFEB42D}" type="datetimeFigureOut">
               <a:rPr lang="fr-FR" smtClean="0"/>
-              <a:t>25/08/2025</a:t>
+              <a:t>26/08/2025</a:t>
             </a:fld>
             <a:endParaRPr lang="fr-FR"/>
           </a:p>
@@ -2640,7 +2081,7 @@
           <a:p>
             <a:fld id="{F2137E03-85F5-4258-96E4-5478DBFEB42D}" type="datetimeFigureOut">
               <a:rPr lang="fr-FR" smtClean="0"/>
-              <a:t>25/08/2025</a:t>
+              <a:t>26/08/2025</a:t>
             </a:fld>
             <a:endParaRPr lang="fr-FR"/>
           </a:p>
@@ -2951,7 +2392,7 @@
           <a:p>
             <a:fld id="{F2137E03-85F5-4258-96E4-5478DBFEB42D}" type="datetimeFigureOut">
               <a:rPr lang="fr-FR" smtClean="0"/>
-              <a:t>25/08/2025</a:t>
+              <a:t>26/08/2025</a:t>
             </a:fld>
             <a:endParaRPr lang="fr-FR"/>
           </a:p>
@@ -3239,7 +2680,7 @@
           <a:p>
             <a:fld id="{F2137E03-85F5-4258-96E4-5478DBFEB42D}" type="datetimeFigureOut">
               <a:rPr lang="fr-FR" smtClean="0"/>
-              <a:t>25/08/2025</a:t>
+              <a:t>26/08/2025</a:t>
             </a:fld>
             <a:endParaRPr lang="fr-FR"/>
           </a:p>
@@ -3480,7 +2921,7 @@
           <a:p>
             <a:fld id="{F2137E03-85F5-4258-96E4-5478DBFEB42D}" type="datetimeFigureOut">
               <a:rPr lang="fr-FR" smtClean="0"/>
-              <a:t>25/08/2025</a:t>
+              <a:t>26/08/2025</a:t>
             </a:fld>
             <a:endParaRPr lang="fr-FR"/>
           </a:p>
@@ -5005,8 +4446,8 @@
         </p:nvSpPr>
         <p:spPr>
           <a:xfrm>
-            <a:off x="10571285" y="162690"/>
-            <a:ext cx="688009" cy="369332"/>
+            <a:off x="10958346" y="162690"/>
+            <a:ext cx="972189" cy="369332"/>
           </a:xfrm>
           <a:prstGeom prst="rect">
             <a:avLst/>
@@ -5019,13 +4460,13 @@
           <a:lstStyle/>
           <a:p>
             <a:r>
-              <a:rPr lang="fr-FR" b="1" dirty="0">
+              <a:rPr lang="fr-FR" b="1" dirty="0" err="1">
                 <a:solidFill>
                   <a:schemeClr val="bg1"/>
                 </a:solidFill>
                 <a:latin typeface="Calibri" panose="020F0502020204030204" pitchFamily="34" charset="0"/>
               </a:rPr>
-              <a:t>UML</a:t>
+              <a:t>Dataset</a:t>
             </a:r>
             <a:r>
               <a:rPr lang="fr-FR" dirty="0">
@@ -5044,10 +4485,10 @@
       </p:sp>
       <p:pic>
         <p:nvPicPr>
-          <p:cNvPr id="6" name="Picture 5" descr="A screenshot of a computer program&#10;&#10;AI-generated content may be incorrect.">
-            <a:extLst>
-              <a:ext uri="{FF2B5EF4-FFF2-40B4-BE49-F238E27FC236}">
-                <a16:creationId xmlns:a16="http://schemas.microsoft.com/office/drawing/2014/main" id="{BA89C9F1-0472-D5DD-81CC-9F6CD952A8F0}"/>
+          <p:cNvPr id="7" name="Picture 6">
+            <a:extLst>
+              <a:ext uri="{FF2B5EF4-FFF2-40B4-BE49-F238E27FC236}">
+                <a16:creationId xmlns:a16="http://schemas.microsoft.com/office/drawing/2014/main" id="{68383EAD-6C92-0809-13FB-F8AC952F9015}"/>
               </a:ext>
             </a:extLst>
           </p:cNvPr>
@@ -5057,21 +4498,15 @@
           <p:nvPr/>
         </p:nvPicPr>
         <p:blipFill>
-          <a:blip r:embed="rId4">
-            <a:extLst>
-              <a:ext uri="{28A0092B-C50C-407E-A947-70E740481C1C}">
-                <a14:useLocalDpi xmlns:a14="http://schemas.microsoft.com/office/drawing/2010/main" val="0"/>
-              </a:ext>
-            </a:extLst>
-          </a:blip>
+          <a:blip r:embed="rId4"/>
           <a:stretch>
             <a:fillRect/>
           </a:stretch>
         </p:blipFill>
         <p:spPr>
           <a:xfrm>
-            <a:off x="2325088" y="839406"/>
-            <a:ext cx="7541824" cy="5889806"/>
+            <a:off x="1553812" y="2112536"/>
+            <a:ext cx="9100214" cy="2632927"/>
           </a:xfrm>
           <a:prstGeom prst="rect">
             <a:avLst/>
@@ -5081,7 +4516,7 @@
     </p:spTree>
     <p:extLst>
       <p:ext uri="{BB962C8B-B14F-4D97-AF65-F5344CB8AC3E}">
-        <p14:creationId xmlns:p14="http://schemas.microsoft.com/office/powerpoint/2010/main" val="2407095513"/>
+        <p14:creationId xmlns:p14="http://schemas.microsoft.com/office/powerpoint/2010/main" val="438736290"/>
       </p:ext>
     </p:extLst>
   </p:cSld>
@@ -5254,8 +4689,8 @@
         </p:nvSpPr>
         <p:spPr>
           <a:xfrm>
-            <a:off x="10958346" y="162690"/>
-            <a:ext cx="972189" cy="369332"/>
+            <a:off x="10571285" y="162690"/>
+            <a:ext cx="688009" cy="369332"/>
           </a:xfrm>
           <a:prstGeom prst="rect">
             <a:avLst/>
@@ -5268,13 +4703,13 @@
           <a:lstStyle/>
           <a:p>
             <a:r>
-              <a:rPr lang="fr-FR" b="1" dirty="0" err="1">
+              <a:rPr lang="fr-FR" b="1" dirty="0">
                 <a:solidFill>
                   <a:schemeClr val="bg1"/>
                 </a:solidFill>
                 <a:latin typeface="Calibri" panose="020F0502020204030204" pitchFamily="34" charset="0"/>
               </a:rPr>
-              <a:t>Dataset</a:t>
+              <a:t>UML</a:t>
             </a:r>
             <a:r>
               <a:rPr lang="fr-FR" dirty="0">
@@ -5293,10 +4728,10 @@
       </p:sp>
       <p:pic>
         <p:nvPicPr>
-          <p:cNvPr id="7" name="Picture 6">
-            <a:extLst>
-              <a:ext uri="{FF2B5EF4-FFF2-40B4-BE49-F238E27FC236}">
-                <a16:creationId xmlns:a16="http://schemas.microsoft.com/office/drawing/2014/main" id="{68383EAD-6C92-0809-13FB-F8AC952F9015}"/>
+          <p:cNvPr id="6" name="Picture 5" descr="A screenshot of a computer program&#10;&#10;AI-generated content may be incorrect.">
+            <a:extLst>
+              <a:ext uri="{FF2B5EF4-FFF2-40B4-BE49-F238E27FC236}">
+                <a16:creationId xmlns:a16="http://schemas.microsoft.com/office/drawing/2014/main" id="{BA89C9F1-0472-D5DD-81CC-9F6CD952A8F0}"/>
               </a:ext>
             </a:extLst>
           </p:cNvPr>
@@ -5306,15 +4741,21 @@
           <p:nvPr/>
         </p:nvPicPr>
         <p:blipFill>
-          <a:blip r:embed="rId4"/>
+          <a:blip r:embed="rId4">
+            <a:extLst>
+              <a:ext uri="{28A0092B-C50C-407E-A947-70E740481C1C}">
+                <a14:useLocalDpi xmlns:a14="http://schemas.microsoft.com/office/drawing/2010/main" val="0"/>
+              </a:ext>
+            </a:extLst>
+          </a:blip>
           <a:stretch>
             <a:fillRect/>
           </a:stretch>
         </p:blipFill>
         <p:spPr>
           <a:xfrm>
-            <a:off x="1553812" y="2112536"/>
-            <a:ext cx="9100214" cy="2632927"/>
+            <a:off x="2325088" y="839406"/>
+            <a:ext cx="7541824" cy="5889806"/>
           </a:xfrm>
           <a:prstGeom prst="rect">
             <a:avLst/>
@@ -5324,7 +4765,936 @@
     </p:spTree>
     <p:extLst>
       <p:ext uri="{BB962C8B-B14F-4D97-AF65-F5344CB8AC3E}">
-        <p14:creationId xmlns:p14="http://schemas.microsoft.com/office/powerpoint/2010/main" val="438736290"/>
+        <p14:creationId xmlns:p14="http://schemas.microsoft.com/office/powerpoint/2010/main" val="2407095513"/>
+      </p:ext>
+    </p:extLst>
+  </p:cSld>
+  <p:clrMapOvr>
+    <a:masterClrMapping/>
+  </p:clrMapOvr>
+</p:sld>
+</file>
+
+<file path=ppt/slides/slide4.xml><?xml version="1.0" encoding="utf-8"?>
+<p:sld xmlns:a="http://schemas.openxmlformats.org/drawingml/2006/main" xmlns:r="http://schemas.openxmlformats.org/officeDocument/2006/relationships" xmlns:p="http://schemas.openxmlformats.org/presentationml/2006/main">
+  <p:cSld>
+    <p:spTree>
+      <p:nvGrpSpPr>
+        <p:cNvPr id="1" name="">
+          <a:extLst>
+            <a:ext uri="{FF2B5EF4-FFF2-40B4-BE49-F238E27FC236}">
+              <a16:creationId xmlns:a16="http://schemas.microsoft.com/office/drawing/2014/main" id="{0AE3EE23-57C3-4A89-8340-BB78838F6183}"/>
+            </a:ext>
+          </a:extLst>
+        </p:cNvPr>
+        <p:cNvGrpSpPr/>
+        <p:nvPr/>
+      </p:nvGrpSpPr>
+      <p:grpSpPr>
+        <a:xfrm>
+          <a:off x="0" y="0"/>
+          <a:ext cx="0" cy="0"/>
+          <a:chOff x="0" y="0"/>
+          <a:chExt cx="0" cy="0"/>
+        </a:xfrm>
+      </p:grpSpPr>
+      <p:sp>
+        <p:nvSpPr>
+          <p:cNvPr id="3" name="bk object 17">
+            <a:extLst>
+              <a:ext uri="{FF2B5EF4-FFF2-40B4-BE49-F238E27FC236}">
+                <a16:creationId xmlns:a16="http://schemas.microsoft.com/office/drawing/2014/main" id="{1A69A11E-E759-4556-3DB9-0CF2271559F3}"/>
+              </a:ext>
+            </a:extLst>
+          </p:cNvPr>
+          <p:cNvSpPr/>
+          <p:nvPr>
+            <p:custDataLst>
+              <p:tags r:id="rId1"/>
+            </p:custDataLst>
+          </p:nvPr>
+        </p:nvSpPr>
+        <p:spPr>
+          <a:xfrm>
+            <a:off x="0" y="-8390"/>
+            <a:ext cx="12207838" cy="720001"/>
+          </a:xfrm>
+          <a:custGeom>
+            <a:avLst/>
+            <a:gdLst>
+              <a:gd name="connsiteX0" fmla="*/ 9047048 w 9047048"/>
+              <a:gd name="connsiteY0" fmla="*/ 0 h 720001"/>
+              <a:gd name="connsiteX1" fmla="*/ 0 w 9047048"/>
+              <a:gd name="connsiteY1" fmla="*/ 0 h 720001"/>
+              <a:gd name="connsiteX2" fmla="*/ 0 w 9047048"/>
+              <a:gd name="connsiteY2" fmla="*/ 720001 h 720001"/>
+              <a:gd name="connsiteX3" fmla="*/ 8809416 w 9047048"/>
+              <a:gd name="connsiteY3" fmla="*/ 703223 h 720001"/>
+              <a:gd name="connsiteX4" fmla="*/ 9047048 w 9047048"/>
+              <a:gd name="connsiteY4" fmla="*/ 0 h 720001"/>
+              <a:gd name="connsiteX0" fmla="*/ 8822725 w 8822725"/>
+              <a:gd name="connsiteY0" fmla="*/ 8389 h 720001"/>
+              <a:gd name="connsiteX1" fmla="*/ 0 w 8822725"/>
+              <a:gd name="connsiteY1" fmla="*/ 0 h 720001"/>
+              <a:gd name="connsiteX2" fmla="*/ 0 w 8822725"/>
+              <a:gd name="connsiteY2" fmla="*/ 720001 h 720001"/>
+              <a:gd name="connsiteX3" fmla="*/ 8809416 w 8822725"/>
+              <a:gd name="connsiteY3" fmla="*/ 703223 h 720001"/>
+              <a:gd name="connsiteX4" fmla="*/ 8822725 w 8822725"/>
+              <a:gd name="connsiteY4" fmla="*/ 8389 h 720001"/>
+            </a:gdLst>
+            <a:ahLst/>
+            <a:cxnLst>
+              <a:cxn ang="0">
+                <a:pos x="connsiteX0" y="connsiteY0"/>
+              </a:cxn>
+              <a:cxn ang="0">
+                <a:pos x="connsiteX1" y="connsiteY1"/>
+              </a:cxn>
+              <a:cxn ang="0">
+                <a:pos x="connsiteX2" y="connsiteY2"/>
+              </a:cxn>
+              <a:cxn ang="0">
+                <a:pos x="connsiteX3" y="connsiteY3"/>
+              </a:cxn>
+              <a:cxn ang="0">
+                <a:pos x="connsiteX4" y="connsiteY4"/>
+              </a:cxn>
+            </a:cxnLst>
+            <a:rect l="l" t="t" r="r" b="b"/>
+            <a:pathLst>
+              <a:path w="8822725" h="720001">
+                <a:moveTo>
+                  <a:pt x="8822725" y="8389"/>
+                </a:moveTo>
+                <a:lnTo>
+                  <a:pt x="0" y="0"/>
+                </a:lnTo>
+                <a:lnTo>
+                  <a:pt x="0" y="720001"/>
+                </a:lnTo>
+                <a:lnTo>
+                  <a:pt x="8809416" y="703223"/>
+                </a:lnTo>
+                <a:lnTo>
+                  <a:pt x="8822725" y="8389"/>
+                </a:lnTo>
+                <a:close/>
+              </a:path>
+            </a:pathLst>
+          </a:custGeom>
+          <a:solidFill>
+            <a:srgbClr val="CF1152"/>
+          </a:solidFill>
+        </p:spPr>
+        <p:txBody>
+          <a:bodyPr wrap="square" lIns="0" tIns="0" rIns="0" bIns="0" rtlCol="0"/>
+          <a:lstStyle/>
+          <a:p>
+            <a:endParaRPr sz="1800"/>
+          </a:p>
+        </p:txBody>
+      </p:sp>
+      <p:sp>
+        <p:nvSpPr>
+          <p:cNvPr id="4" name="bk object 18">
+            <a:extLst>
+              <a:ext uri="{FF2B5EF4-FFF2-40B4-BE49-F238E27FC236}">
+                <a16:creationId xmlns:a16="http://schemas.microsoft.com/office/drawing/2014/main" id="{192E56F5-71B5-FE49-9F3B-92AE66041019}"/>
+              </a:ext>
+            </a:extLst>
+          </p:cNvPr>
+          <p:cNvSpPr/>
+          <p:nvPr/>
+        </p:nvSpPr>
+        <p:spPr>
+          <a:xfrm>
+            <a:off x="478064" y="21185"/>
+            <a:ext cx="661817" cy="652343"/>
+          </a:xfrm>
+          <a:prstGeom prst="rect">
+            <a:avLst/>
+          </a:prstGeom>
+          <a:blipFill>
+            <a:blip r:embed="rId3" cstate="print"/>
+            <a:stretch>
+              <a:fillRect/>
+            </a:stretch>
+          </a:blipFill>
+        </p:spPr>
+        <p:txBody>
+          <a:bodyPr wrap="square" lIns="0" tIns="0" rIns="0" bIns="0" rtlCol="0"/>
+          <a:lstStyle/>
+          <a:p>
+            <a:endParaRPr sz="1800"/>
+          </a:p>
+        </p:txBody>
+      </p:sp>
+      <p:sp>
+        <p:nvSpPr>
+          <p:cNvPr id="5" name="Rectangle 4">
+            <a:extLst>
+              <a:ext uri="{FF2B5EF4-FFF2-40B4-BE49-F238E27FC236}">
+                <a16:creationId xmlns:a16="http://schemas.microsoft.com/office/drawing/2014/main" id="{4D3B68F9-A0B9-0008-7F97-964F39CA0E58}"/>
+              </a:ext>
+            </a:extLst>
+          </p:cNvPr>
+          <p:cNvSpPr/>
+          <p:nvPr/>
+        </p:nvSpPr>
+        <p:spPr>
+          <a:xfrm>
+            <a:off x="8618907" y="162690"/>
+            <a:ext cx="3588931" cy="369332"/>
+          </a:xfrm>
+          <a:prstGeom prst="rect">
+            <a:avLst/>
+          </a:prstGeom>
+        </p:spPr>
+        <p:txBody>
+          <a:bodyPr wrap="none">
+            <a:spAutoFit/>
+          </a:bodyPr>
+          <a:lstStyle/>
+          <a:p>
+            <a:r>
+              <a:rPr lang="fr-FR" b="1" dirty="0">
+                <a:solidFill>
+                  <a:schemeClr val="bg1"/>
+                </a:solidFill>
+                <a:latin typeface="Calibri" panose="020F0502020204030204" pitchFamily="34" charset="0"/>
+              </a:rPr>
+              <a:t>Résultats descriptifs et probabilités</a:t>
+            </a:r>
+            <a:r>
+              <a:rPr lang="fr-FR" dirty="0">
+                <a:latin typeface="Calibri" panose="020F0502020204030204" pitchFamily="34" charset="0"/>
+              </a:rPr>
+              <a:t> </a:t>
+            </a:r>
+            <a:endParaRPr lang="fr-FR" dirty="0">
+              <a:solidFill>
+                <a:schemeClr val="tx1"/>
+              </a:solidFill>
+              <a:latin typeface="Calibri" panose="020F0502020204030204" pitchFamily="34" charset="0"/>
+            </a:endParaRPr>
+          </a:p>
+        </p:txBody>
+      </p:sp>
+      <p:sp>
+        <p:nvSpPr>
+          <p:cNvPr id="2" name="TextBox 1">
+            <a:extLst>
+              <a:ext uri="{FF2B5EF4-FFF2-40B4-BE49-F238E27FC236}">
+                <a16:creationId xmlns:a16="http://schemas.microsoft.com/office/drawing/2014/main" id="{9B5E3DB7-EC44-87A8-C75C-0A3B1EEF8081}"/>
+              </a:ext>
+            </a:extLst>
+          </p:cNvPr>
+          <p:cNvSpPr txBox="1"/>
+          <p:nvPr/>
+        </p:nvSpPr>
+        <p:spPr>
+          <a:xfrm>
+            <a:off x="1287988" y="1002279"/>
+            <a:ext cx="3491661" cy="5632311"/>
+          </a:xfrm>
+          <a:prstGeom prst="rect">
+            <a:avLst/>
+          </a:prstGeom>
+          <a:noFill/>
+        </p:spPr>
+        <p:txBody>
+          <a:bodyPr wrap="none" rtlCol="0">
+            <a:spAutoFit/>
+          </a:bodyPr>
+          <a:lstStyle/>
+          <a:p>
+            <a:r>
+              <a:rPr lang="fr-FR" dirty="0"/>
+              <a:t>Moyenne de </a:t>
+            </a:r>
+            <a:r>
+              <a:rPr lang="fr-FR" dirty="0" err="1"/>
+              <a:t>streams</a:t>
+            </a:r>
+            <a:r>
+              <a:rPr lang="fr-FR" dirty="0"/>
+              <a:t> : 2914.44</a:t>
+            </a:r>
+          </a:p>
+          <a:p>
+            <a:r>
+              <a:rPr lang="fr-FR" dirty="0"/>
+              <a:t>Moyenne de </a:t>
+            </a:r>
+            <a:r>
+              <a:rPr lang="fr-FR" dirty="0" err="1"/>
+              <a:t>daily</a:t>
+            </a:r>
+            <a:r>
+              <a:rPr lang="fr-FR" dirty="0"/>
+              <a:t> : 1.85081</a:t>
+            </a:r>
+          </a:p>
+          <a:p>
+            <a:r>
+              <a:rPr lang="en-US" dirty="0" err="1"/>
+              <a:t>Mediane</a:t>
+            </a:r>
+            <a:r>
+              <a:rPr lang="en-US" dirty="0"/>
+              <a:t> de streams : 1459.4</a:t>
+            </a:r>
+          </a:p>
+          <a:p>
+            <a:r>
+              <a:rPr lang="en-US" dirty="0" err="1"/>
+              <a:t>Mediane</a:t>
+            </a:r>
+            <a:r>
+              <a:rPr lang="en-US" dirty="0"/>
+              <a:t> de daily : 0.8695</a:t>
+            </a:r>
+          </a:p>
+          <a:p>
+            <a:r>
+              <a:rPr lang="fr-FR" dirty="0"/>
+              <a:t>Mode(s) de </a:t>
+            </a:r>
+            <a:r>
+              <a:rPr lang="fr-FR" dirty="0" err="1"/>
+              <a:t>streams</a:t>
+            </a:r>
+            <a:r>
+              <a:rPr lang="fr-FR" dirty="0"/>
+              <a:t> : 731.6</a:t>
+            </a:r>
+          </a:p>
+          <a:p>
+            <a:r>
+              <a:rPr lang="fr-FR" dirty="0"/>
+              <a:t>Mode(s) de </a:t>
+            </a:r>
+            <a:r>
+              <a:rPr lang="fr-FR" dirty="0" err="1"/>
+              <a:t>daily</a:t>
+            </a:r>
+            <a:r>
+              <a:rPr lang="fr-FR" dirty="0"/>
+              <a:t> : 0.405 0.52 0.587</a:t>
+            </a:r>
+          </a:p>
+          <a:p>
+            <a:r>
+              <a:rPr lang="en-US" dirty="0"/>
+              <a:t>Minimum de streams : 728.6</a:t>
+            </a:r>
+          </a:p>
+          <a:p>
+            <a:r>
+              <a:rPr lang="en-US" dirty="0"/>
+              <a:t>Minimum de daily : 0</a:t>
+            </a:r>
+          </a:p>
+          <a:p>
+            <a:r>
+              <a:rPr lang="en-US" dirty="0"/>
+              <a:t>Maximum de streams : 85041.3</a:t>
+            </a:r>
+          </a:p>
+          <a:p>
+            <a:r>
+              <a:rPr lang="en-US" dirty="0"/>
+              <a:t>Maximum de daily : 85.793</a:t>
+            </a:r>
+          </a:p>
+          <a:p>
+            <a:r>
+              <a:rPr lang="fr-FR" dirty="0"/>
+              <a:t>Amplitude de </a:t>
+            </a:r>
+            <a:r>
+              <a:rPr lang="fr-FR" dirty="0" err="1"/>
+              <a:t>streams</a:t>
+            </a:r>
+            <a:r>
+              <a:rPr lang="fr-FR" dirty="0"/>
+              <a:t> : 84312.7</a:t>
+            </a:r>
+          </a:p>
+          <a:p>
+            <a:r>
+              <a:rPr lang="fr-FR" dirty="0"/>
+              <a:t>Amplitude de </a:t>
+            </a:r>
+            <a:r>
+              <a:rPr lang="fr-FR" dirty="0" err="1"/>
+              <a:t>daily</a:t>
+            </a:r>
+            <a:r>
+              <a:rPr lang="fr-FR" dirty="0"/>
+              <a:t> : 85.793</a:t>
+            </a:r>
+          </a:p>
+          <a:p>
+            <a:r>
+              <a:rPr lang="en-US" dirty="0"/>
+              <a:t>Variance de streams : 2.32932e+07</a:t>
+            </a:r>
+          </a:p>
+          <a:p>
+            <a:r>
+              <a:rPr lang="en-US" dirty="0"/>
+              <a:t>Variance de daily : 14.1033</a:t>
+            </a:r>
+          </a:p>
+          <a:p>
+            <a:r>
+              <a:rPr lang="en-US" dirty="0" err="1"/>
+              <a:t>Ecart</a:t>
+            </a:r>
+            <a:r>
+              <a:rPr lang="en-US" dirty="0"/>
+              <a:t>-type de streams : 4826.31</a:t>
+            </a:r>
+          </a:p>
+          <a:p>
+            <a:r>
+              <a:rPr lang="en-US" dirty="0" err="1"/>
+              <a:t>Ecart</a:t>
+            </a:r>
+            <a:r>
+              <a:rPr lang="en-US" dirty="0"/>
+              <a:t>-type de daily : 3.75544</a:t>
+            </a:r>
+          </a:p>
+          <a:p>
+            <a:r>
+              <a:rPr lang="fr-FR" dirty="0"/>
+              <a:t>Répartition globale des </a:t>
+            </a:r>
+            <a:r>
+              <a:rPr lang="fr-FR" dirty="0" err="1"/>
+              <a:t>streams</a:t>
+            </a:r>
+            <a:r>
+              <a:rPr lang="fr-FR" dirty="0"/>
+              <a:t> :</a:t>
+            </a:r>
+          </a:p>
+          <a:p>
+            <a:r>
+              <a:rPr lang="fr-FR" dirty="0"/>
+              <a:t>% solo : 50.95</a:t>
+            </a:r>
+          </a:p>
+          <a:p>
+            <a:r>
+              <a:rPr lang="fr-FR" dirty="0"/>
+              <a:t>% </a:t>
+            </a:r>
+            <a:r>
+              <a:rPr lang="fr-FR" dirty="0" err="1"/>
+              <a:t>feature</a:t>
+            </a:r>
+            <a:r>
+              <a:rPr lang="fr-FR" dirty="0"/>
+              <a:t> : 26.53</a:t>
+            </a:r>
+          </a:p>
+          <a:p>
+            <a:r>
+              <a:rPr lang="fr-FR" dirty="0"/>
+              <a:t>Autre : 22.52</a:t>
+            </a:r>
+            <a:endParaRPr lang="en-US" dirty="0"/>
+          </a:p>
+        </p:txBody>
+      </p:sp>
+      <p:sp>
+        <p:nvSpPr>
+          <p:cNvPr id="7" name="TextBox 6">
+            <a:extLst>
+              <a:ext uri="{FF2B5EF4-FFF2-40B4-BE49-F238E27FC236}">
+                <a16:creationId xmlns:a16="http://schemas.microsoft.com/office/drawing/2014/main" id="{D285A919-CE95-DD53-B512-01DDEBBED5BB}"/>
+              </a:ext>
+            </a:extLst>
+          </p:cNvPr>
+          <p:cNvSpPr txBox="1"/>
+          <p:nvPr/>
+        </p:nvSpPr>
+        <p:spPr>
+          <a:xfrm>
+            <a:off x="6646046" y="3079771"/>
+            <a:ext cx="5055999" cy="1477328"/>
+          </a:xfrm>
+          <a:prstGeom prst="rect">
+            <a:avLst/>
+          </a:prstGeom>
+          <a:noFill/>
+        </p:spPr>
+        <p:txBody>
+          <a:bodyPr wrap="none" rtlCol="0">
+            <a:spAutoFit/>
+          </a:bodyPr>
+          <a:lstStyle/>
+          <a:p>
+            <a:r>
+              <a:rPr lang="fr-FR" dirty="0"/>
+              <a:t>Proba d’</a:t>
+            </a:r>
+            <a:r>
+              <a:rPr lang="fr-FR" dirty="0" err="1"/>
+              <a:t>etre</a:t>
+            </a:r>
+            <a:r>
+              <a:rPr lang="fr-FR" dirty="0"/>
+              <a:t> dans le top 10 de </a:t>
+            </a:r>
+            <a:r>
+              <a:rPr lang="fr-FR" dirty="0" err="1"/>
+              <a:t>streams</a:t>
+            </a:r>
+            <a:r>
+              <a:rPr lang="fr-FR" dirty="0"/>
+              <a:t> (</a:t>
+            </a:r>
+            <a:r>
+              <a:rPr lang="fr-FR" dirty="0" err="1"/>
+              <a:t>modele</a:t>
+            </a:r>
+            <a:endParaRPr lang="fr-FR" dirty="0"/>
+          </a:p>
+          <a:p>
+            <a:r>
+              <a:rPr lang="fr-FR" dirty="0"/>
+              <a:t>uniforme n/N) : 0.00333333</a:t>
+            </a:r>
+          </a:p>
+          <a:p>
+            <a:r>
+              <a:rPr lang="fr-FR" dirty="0"/>
+              <a:t>Proba qu’un artiste ait &gt;70% de </a:t>
+            </a:r>
+            <a:r>
+              <a:rPr lang="fr-FR" dirty="0" err="1"/>
+              <a:t>streams</a:t>
+            </a:r>
+            <a:r>
+              <a:rPr lang="fr-FR" dirty="0"/>
+              <a:t> solo : 0.399</a:t>
+            </a:r>
+          </a:p>
+          <a:p>
+            <a:r>
+              <a:rPr lang="en-US" dirty="0"/>
+              <a:t>: Proba(</a:t>
+            </a:r>
+            <a:r>
+              <a:rPr lang="en-US" dirty="0" err="1"/>
+              <a:t>d’etre</a:t>
+            </a:r>
+            <a:r>
+              <a:rPr lang="en-US" dirty="0"/>
+              <a:t> dans le top10 daily GLOBAL —</a:t>
+            </a:r>
+          </a:p>
+          <a:p>
+            <a:r>
+              <a:rPr lang="en-US" dirty="0"/>
+              <a:t>streams &gt; 10000) = 0.0551724</a:t>
+            </a:r>
+          </a:p>
+        </p:txBody>
+      </p:sp>
+    </p:spTree>
+    <p:extLst>
+      <p:ext uri="{BB962C8B-B14F-4D97-AF65-F5344CB8AC3E}">
+        <p14:creationId xmlns:p14="http://schemas.microsoft.com/office/powerpoint/2010/main" val="376098808"/>
+      </p:ext>
+    </p:extLst>
+  </p:cSld>
+  <p:clrMapOvr>
+    <a:masterClrMapping/>
+  </p:clrMapOvr>
+</p:sld>
+</file>
+
+<file path=ppt/slides/slide5.xml><?xml version="1.0" encoding="utf-8"?>
+<p:sld xmlns:a="http://schemas.openxmlformats.org/drawingml/2006/main" xmlns:r="http://schemas.openxmlformats.org/officeDocument/2006/relationships" xmlns:p="http://schemas.openxmlformats.org/presentationml/2006/main">
+  <p:cSld>
+    <p:spTree>
+      <p:nvGrpSpPr>
+        <p:cNvPr id="1" name="">
+          <a:extLst>
+            <a:ext uri="{FF2B5EF4-FFF2-40B4-BE49-F238E27FC236}">
+              <a16:creationId xmlns:a16="http://schemas.microsoft.com/office/drawing/2014/main" id="{DFB500A3-43F6-EBF5-5937-7A93C021FC3D}"/>
+            </a:ext>
+          </a:extLst>
+        </p:cNvPr>
+        <p:cNvGrpSpPr/>
+        <p:nvPr/>
+      </p:nvGrpSpPr>
+      <p:grpSpPr>
+        <a:xfrm>
+          <a:off x="0" y="0"/>
+          <a:ext cx="0" cy="0"/>
+          <a:chOff x="0" y="0"/>
+          <a:chExt cx="0" cy="0"/>
+        </a:xfrm>
+      </p:grpSpPr>
+      <p:sp>
+        <p:nvSpPr>
+          <p:cNvPr id="3" name="bk object 17">
+            <a:extLst>
+              <a:ext uri="{FF2B5EF4-FFF2-40B4-BE49-F238E27FC236}">
+                <a16:creationId xmlns:a16="http://schemas.microsoft.com/office/drawing/2014/main" id="{76C4A6F0-AE13-2C1F-AEE7-0F880CF8B07B}"/>
+              </a:ext>
+            </a:extLst>
+          </p:cNvPr>
+          <p:cNvSpPr/>
+          <p:nvPr>
+            <p:custDataLst>
+              <p:tags r:id="rId1"/>
+            </p:custDataLst>
+          </p:nvPr>
+        </p:nvSpPr>
+        <p:spPr>
+          <a:xfrm>
+            <a:off x="0" y="-8390"/>
+            <a:ext cx="12207838" cy="720001"/>
+          </a:xfrm>
+          <a:custGeom>
+            <a:avLst/>
+            <a:gdLst>
+              <a:gd name="connsiteX0" fmla="*/ 9047048 w 9047048"/>
+              <a:gd name="connsiteY0" fmla="*/ 0 h 720001"/>
+              <a:gd name="connsiteX1" fmla="*/ 0 w 9047048"/>
+              <a:gd name="connsiteY1" fmla="*/ 0 h 720001"/>
+              <a:gd name="connsiteX2" fmla="*/ 0 w 9047048"/>
+              <a:gd name="connsiteY2" fmla="*/ 720001 h 720001"/>
+              <a:gd name="connsiteX3" fmla="*/ 8809416 w 9047048"/>
+              <a:gd name="connsiteY3" fmla="*/ 703223 h 720001"/>
+              <a:gd name="connsiteX4" fmla="*/ 9047048 w 9047048"/>
+              <a:gd name="connsiteY4" fmla="*/ 0 h 720001"/>
+              <a:gd name="connsiteX0" fmla="*/ 8822725 w 8822725"/>
+              <a:gd name="connsiteY0" fmla="*/ 8389 h 720001"/>
+              <a:gd name="connsiteX1" fmla="*/ 0 w 8822725"/>
+              <a:gd name="connsiteY1" fmla="*/ 0 h 720001"/>
+              <a:gd name="connsiteX2" fmla="*/ 0 w 8822725"/>
+              <a:gd name="connsiteY2" fmla="*/ 720001 h 720001"/>
+              <a:gd name="connsiteX3" fmla="*/ 8809416 w 8822725"/>
+              <a:gd name="connsiteY3" fmla="*/ 703223 h 720001"/>
+              <a:gd name="connsiteX4" fmla="*/ 8822725 w 8822725"/>
+              <a:gd name="connsiteY4" fmla="*/ 8389 h 720001"/>
+            </a:gdLst>
+            <a:ahLst/>
+            <a:cxnLst>
+              <a:cxn ang="0">
+                <a:pos x="connsiteX0" y="connsiteY0"/>
+              </a:cxn>
+              <a:cxn ang="0">
+                <a:pos x="connsiteX1" y="connsiteY1"/>
+              </a:cxn>
+              <a:cxn ang="0">
+                <a:pos x="connsiteX2" y="connsiteY2"/>
+              </a:cxn>
+              <a:cxn ang="0">
+                <a:pos x="connsiteX3" y="connsiteY3"/>
+              </a:cxn>
+              <a:cxn ang="0">
+                <a:pos x="connsiteX4" y="connsiteY4"/>
+              </a:cxn>
+            </a:cxnLst>
+            <a:rect l="l" t="t" r="r" b="b"/>
+            <a:pathLst>
+              <a:path w="8822725" h="720001">
+                <a:moveTo>
+                  <a:pt x="8822725" y="8389"/>
+                </a:moveTo>
+                <a:lnTo>
+                  <a:pt x="0" y="0"/>
+                </a:lnTo>
+                <a:lnTo>
+                  <a:pt x="0" y="720001"/>
+                </a:lnTo>
+                <a:lnTo>
+                  <a:pt x="8809416" y="703223"/>
+                </a:lnTo>
+                <a:lnTo>
+                  <a:pt x="8822725" y="8389"/>
+                </a:lnTo>
+                <a:close/>
+              </a:path>
+            </a:pathLst>
+          </a:custGeom>
+          <a:solidFill>
+            <a:srgbClr val="CF1152"/>
+          </a:solidFill>
+        </p:spPr>
+        <p:txBody>
+          <a:bodyPr wrap="square" lIns="0" tIns="0" rIns="0" bIns="0" rtlCol="0"/>
+          <a:lstStyle/>
+          <a:p>
+            <a:endParaRPr sz="1800"/>
+          </a:p>
+        </p:txBody>
+      </p:sp>
+      <p:sp>
+        <p:nvSpPr>
+          <p:cNvPr id="4" name="bk object 18">
+            <a:extLst>
+              <a:ext uri="{FF2B5EF4-FFF2-40B4-BE49-F238E27FC236}">
+                <a16:creationId xmlns:a16="http://schemas.microsoft.com/office/drawing/2014/main" id="{DB93FF41-3516-D93D-028F-4FD53F084CD9}"/>
+              </a:ext>
+            </a:extLst>
+          </p:cNvPr>
+          <p:cNvSpPr/>
+          <p:nvPr/>
+        </p:nvSpPr>
+        <p:spPr>
+          <a:xfrm>
+            <a:off x="478064" y="21185"/>
+            <a:ext cx="661817" cy="652343"/>
+          </a:xfrm>
+          <a:prstGeom prst="rect">
+            <a:avLst/>
+          </a:prstGeom>
+          <a:blipFill>
+            <a:blip r:embed="rId3" cstate="print"/>
+            <a:stretch>
+              <a:fillRect/>
+            </a:stretch>
+          </a:blipFill>
+        </p:spPr>
+        <p:txBody>
+          <a:bodyPr wrap="square" lIns="0" tIns="0" rIns="0" bIns="0" rtlCol="0"/>
+          <a:lstStyle/>
+          <a:p>
+            <a:endParaRPr sz="1800"/>
+          </a:p>
+        </p:txBody>
+      </p:sp>
+      <p:sp>
+        <p:nvSpPr>
+          <p:cNvPr id="5" name="Rectangle 4">
+            <a:extLst>
+              <a:ext uri="{FF2B5EF4-FFF2-40B4-BE49-F238E27FC236}">
+                <a16:creationId xmlns:a16="http://schemas.microsoft.com/office/drawing/2014/main" id="{D9FBE31F-5F87-77DA-73D8-754B3099D757}"/>
+              </a:ext>
+            </a:extLst>
+          </p:cNvPr>
+          <p:cNvSpPr/>
+          <p:nvPr/>
+        </p:nvSpPr>
+        <p:spPr>
+          <a:xfrm>
+            <a:off x="8618907" y="162690"/>
+            <a:ext cx="3588931" cy="369332"/>
+          </a:xfrm>
+          <a:prstGeom prst="rect">
+            <a:avLst/>
+          </a:prstGeom>
+        </p:spPr>
+        <p:txBody>
+          <a:bodyPr wrap="none">
+            <a:spAutoFit/>
+          </a:bodyPr>
+          <a:lstStyle/>
+          <a:p>
+            <a:r>
+              <a:rPr lang="fr-FR" b="1" dirty="0">
+                <a:solidFill>
+                  <a:schemeClr val="bg1"/>
+                </a:solidFill>
+                <a:latin typeface="Calibri" panose="020F0502020204030204" pitchFamily="34" charset="0"/>
+              </a:rPr>
+              <a:t>Résultats descriptifs et probabilités</a:t>
+            </a:r>
+            <a:r>
+              <a:rPr lang="fr-FR" dirty="0">
+                <a:latin typeface="Calibri" panose="020F0502020204030204" pitchFamily="34" charset="0"/>
+              </a:rPr>
+              <a:t> </a:t>
+            </a:r>
+            <a:endParaRPr lang="fr-FR" dirty="0">
+              <a:solidFill>
+                <a:schemeClr val="tx1"/>
+              </a:solidFill>
+              <a:latin typeface="Calibri" panose="020F0502020204030204" pitchFamily="34" charset="0"/>
+            </a:endParaRPr>
+          </a:p>
+        </p:txBody>
+      </p:sp>
+      <p:sp>
+        <p:nvSpPr>
+          <p:cNvPr id="2" name="TextBox 1">
+            <a:extLst>
+              <a:ext uri="{FF2B5EF4-FFF2-40B4-BE49-F238E27FC236}">
+                <a16:creationId xmlns:a16="http://schemas.microsoft.com/office/drawing/2014/main" id="{79254B9B-9B4E-56C6-91CC-16A2F2D61CDB}"/>
+              </a:ext>
+            </a:extLst>
+          </p:cNvPr>
+          <p:cNvSpPr txBox="1"/>
+          <p:nvPr/>
+        </p:nvSpPr>
+        <p:spPr>
+          <a:xfrm>
+            <a:off x="3329762" y="1076239"/>
+            <a:ext cx="6768135" cy="4247317"/>
+          </a:xfrm>
+          <a:prstGeom prst="rect">
+            <a:avLst/>
+          </a:prstGeom>
+          <a:noFill/>
+        </p:spPr>
+        <p:txBody>
+          <a:bodyPr wrap="none" rtlCol="0">
+            <a:spAutoFit/>
+          </a:bodyPr>
+          <a:lstStyle/>
+          <a:p>
+            <a:r>
+              <a:rPr lang="fr-FR" dirty="0"/>
+              <a:t>IC 95% pour la moyenne de </a:t>
+            </a:r>
+            <a:r>
+              <a:rPr lang="fr-FR" dirty="0" err="1"/>
+              <a:t>streams</a:t>
+            </a:r>
+            <a:r>
+              <a:rPr lang="fr-FR" dirty="0"/>
+              <a:t> : [2741.73 ; 3087.15]</a:t>
+            </a:r>
+          </a:p>
+          <a:p>
+            <a:r>
+              <a:rPr lang="fr-FR" dirty="0"/>
+              <a:t> IC 95% pour la proportion d’artistes avec </a:t>
+            </a:r>
+            <a:r>
+              <a:rPr lang="fr-FR" dirty="0" err="1"/>
+              <a:t>streams</a:t>
+            </a:r>
+            <a:r>
+              <a:rPr lang="fr-FR" dirty="0"/>
+              <a:t> &gt;</a:t>
+            </a:r>
+          </a:p>
+          <a:p>
+            <a:r>
+              <a:rPr lang="fr-FR" dirty="0"/>
+              <a:t>10000 : [0.0406586 ; 0.056008]</a:t>
+            </a:r>
+          </a:p>
+          <a:p>
+            <a:r>
+              <a:rPr lang="fr-FR" dirty="0"/>
+              <a:t>T-statistique pour comparaison des moyennes (solo vs</a:t>
+            </a:r>
+          </a:p>
+          <a:p>
+            <a:r>
+              <a:rPr lang="fr-FR" dirty="0" err="1"/>
+              <a:t>feature</a:t>
+            </a:r>
+            <a:r>
+              <a:rPr lang="fr-FR" dirty="0"/>
+              <a:t>) : 11.8227 (|t| &gt;= 2 =&gt; significatif a 5% environ)</a:t>
+            </a:r>
+          </a:p>
+          <a:p>
+            <a:r>
+              <a:rPr lang="fr-FR" dirty="0"/>
+              <a:t>Test de proportion (H0 : p = 0.5) : z =</a:t>
+            </a:r>
+          </a:p>
+          <a:p>
+            <a:r>
+              <a:rPr lang="fr-FR" dirty="0"/>
+              <a:t>-1.7162 (&gt; 1.96ou &lt; −1.96 = significatif ´a 5%)</a:t>
+            </a:r>
+          </a:p>
+          <a:p>
+            <a:r>
+              <a:rPr lang="en-US" dirty="0"/>
+              <a:t>Regression streams − &gt; solo</a:t>
+            </a:r>
+          </a:p>
+          <a:p>
+            <a:r>
+              <a:rPr lang="en-US" dirty="0"/>
+              <a:t>Y = 0.464382 * X + 131.53 ; Rˆ2 = 0.68154</a:t>
+            </a:r>
+          </a:p>
+          <a:p>
+            <a:r>
+              <a:rPr lang="en-US" dirty="0"/>
+              <a:t>Residuals : mean=-4.56339e-13, std=1532.04, min=-6941.55, max=0</a:t>
+            </a:r>
+          </a:p>
+          <a:p>
+            <a:r>
+              <a:rPr lang="en-US" dirty="0"/>
+              <a:t>Regression </a:t>
+            </a:r>
+            <a:r>
+              <a:rPr lang="en-US" dirty="0" err="1"/>
+              <a:t>aslead</a:t>
+            </a:r>
+            <a:r>
+              <a:rPr lang="en-US" dirty="0"/>
+              <a:t> − &gt; </a:t>
+            </a:r>
+            <a:r>
+              <a:rPr lang="en-US" dirty="0" err="1"/>
+              <a:t>asfeature</a:t>
+            </a:r>
+            <a:endParaRPr lang="en-US" dirty="0"/>
+          </a:p>
+          <a:p>
+            <a:r>
+              <a:rPr lang="en-US" dirty="0"/>
+              <a:t>Y = 0.27005 * X + 194.871 ; Rˆ2 = 0.267406</a:t>
+            </a:r>
+          </a:p>
+          <a:p>
+            <a:r>
+              <a:rPr lang="en-US" dirty="0"/>
+              <a:t>Residuals : mean=-2.78552e-13, std=1602.24, min=12132.7, max=29.2</a:t>
+            </a:r>
+          </a:p>
+          <a:p>
+            <a:r>
+              <a:rPr lang="fr-FR" dirty="0" err="1"/>
+              <a:t>Correlation</a:t>
+            </a:r>
+            <a:r>
+              <a:rPr lang="fr-FR" dirty="0"/>
+              <a:t> de Pearson entre solo et </a:t>
+            </a:r>
+            <a:r>
+              <a:rPr lang="fr-FR" dirty="0" err="1"/>
+              <a:t>asfeature</a:t>
+            </a:r>
+            <a:r>
+              <a:rPr lang="fr-FR" dirty="0"/>
+              <a:t> :</a:t>
+            </a:r>
+          </a:p>
+          <a:p>
+            <a:r>
+              <a:rPr lang="fr-FR"/>
+              <a:t>0.345153</a:t>
+            </a:r>
+            <a:endParaRPr lang="fr-FR" dirty="0"/>
+          </a:p>
+        </p:txBody>
+      </p:sp>
+    </p:spTree>
+    <p:extLst>
+      <p:ext uri="{BB962C8B-B14F-4D97-AF65-F5344CB8AC3E}">
+        <p14:creationId xmlns:p14="http://schemas.microsoft.com/office/powerpoint/2010/main" val="3973232123"/>
       </p:ext>
     </p:extLst>
   </p:cSld>
@@ -5353,6 +5723,18 @@
 </file>
 
 <file path=ppt/tags/tag4.xml><?xml version="1.0" encoding="utf-8"?>
+<p:tagLst xmlns:a="http://schemas.openxmlformats.org/drawingml/2006/main" xmlns:r="http://schemas.openxmlformats.org/officeDocument/2006/relationships" xmlns:p="http://schemas.openxmlformats.org/presentationml/2006/main">
+  <p:tag name="NUM" val="2"/>
+</p:tagLst>
+</file>
+
+<file path=ppt/tags/tag5.xml><?xml version="1.0" encoding="utf-8"?>
+<p:tagLst xmlns:a="http://schemas.openxmlformats.org/drawingml/2006/main" xmlns:r="http://schemas.openxmlformats.org/officeDocument/2006/relationships" xmlns:p="http://schemas.openxmlformats.org/presentationml/2006/main">
+  <p:tag name="NUM" val="2"/>
+</p:tagLst>
+</file>
+
+<file path=ppt/tags/tag6.xml><?xml version="1.0" encoding="utf-8"?>
 <p:tagLst xmlns:a="http://schemas.openxmlformats.org/drawingml/2006/main" xmlns:r="http://schemas.openxmlformats.org/officeDocument/2006/relationships" xmlns:p="http://schemas.openxmlformats.org/presentationml/2006/main">
   <p:tag name="NUM" val="2"/>
 </p:tagLst>
@@ -5654,6 +6036,21 @@
 </file>
 
 <file path=customXml/item1.xml><?xml version="1.0" encoding="utf-8"?>
+<?mso-contentType ?>
+<FormTemplates xmlns="http://schemas.microsoft.com/sharepoint/v3/contenttype/forms">
+  <Display>DocumentLibraryForm</Display>
+  <Edit>DocumentLibraryForm</Edit>
+  <New>DocumentLibraryForm</New>
+</FormTemplates>
+</file>
+
+<file path=customXml/item2.xml><?xml version="1.0" encoding="utf-8"?>
+<p:properties xmlns:p="http://schemas.microsoft.com/office/2006/metadata/properties" xmlns:xsi="http://www.w3.org/2001/XMLSchema-instance" xmlns:pc="http://schemas.microsoft.com/office/infopath/2007/PartnerControls">
+  <documentManagement/>
+</p:properties>
+</file>
+
+<file path=customXml/item3.xml><?xml version="1.0" encoding="utf-8"?>
 <ct:contentTypeSchema xmlns:ct="http://schemas.microsoft.com/office/2006/metadata/contentType" xmlns:ma="http://schemas.microsoft.com/office/2006/metadata/properties/metaAttributes" ct:_="" ma:_="" ma:contentTypeName="Document" ma:contentTypeID="0x010100FD87F8C58407B14FAB3B5F36C91A4214" ma:contentTypeVersion="2" ma:contentTypeDescription="Crée un document." ma:contentTypeScope="" ma:versionID="bbc870921bbb12d46f5636a97f3c6668">
   <xsd:schema xmlns:xsd="http://www.w3.org/2001/XMLSchema" xmlns:xs="http://www.w3.org/2001/XMLSchema" xmlns:p="http://schemas.microsoft.com/office/2006/metadata/properties" xmlns:ns2="e5542b5d-b517-4b2e-81d1-dd00da6f2ea6" targetNamespace="http://schemas.microsoft.com/office/2006/metadata/properties" ma:root="true" ma:fieldsID="bb039db18ce7065dde5c0c32953d9156" ns2:_="">
     <xsd:import namespace="e5542b5d-b517-4b2e-81d1-dd00da6f2ea6"/>
@@ -5785,35 +6182,10 @@
 </ct:contentTypeSchema>
 </file>
 
-<file path=customXml/item2.xml><?xml version="1.0" encoding="utf-8"?>
-<p:properties xmlns:p="http://schemas.microsoft.com/office/2006/metadata/properties" xmlns:xsi="http://www.w3.org/2001/XMLSchema-instance" xmlns:pc="http://schemas.microsoft.com/office/infopath/2007/PartnerControls">
-  <documentManagement/>
-</p:properties>
-</file>
-
-<file path=customXml/item3.xml><?xml version="1.0" encoding="utf-8"?>
-<?mso-contentType ?>
-<FormTemplates xmlns="http://schemas.microsoft.com/sharepoint/v3/contenttype/forms">
-  <Display>DocumentLibraryForm</Display>
-  <Edit>DocumentLibraryForm</Edit>
-  <New>DocumentLibraryForm</New>
-</FormTemplates>
-</file>
-
 <file path=customXml/itemProps1.xml><?xml version="1.0" encoding="utf-8"?>
-<ds:datastoreItem xmlns:ds="http://schemas.openxmlformats.org/officeDocument/2006/customXml" ds:itemID="{BE36349A-D90C-47DB-9197-F15ABE81A076}">
+<ds:datastoreItem xmlns:ds="http://schemas.openxmlformats.org/officeDocument/2006/customXml" ds:itemID="{C0454BA2-445F-493F-A749-5C6317C1CE83}">
   <ds:schemaRefs>
-    <ds:schemaRef ds:uri="e5542b5d-b517-4b2e-81d1-dd00da6f2ea6"/>
-    <ds:schemaRef ds:uri="http://purl.org/dc/elements/1.1/"/>
-    <ds:schemaRef ds:uri="http://purl.org/dc/terms/"/>
-    <ds:schemaRef ds:uri="http://schemas.microsoft.com/internal/obd"/>
-    <ds:schemaRef ds:uri="http://schemas.microsoft.com/office/2006/documentManagement/types"/>
-    <ds:schemaRef ds:uri="http://schemas.microsoft.com/office/2006/metadata/contentType"/>
-    <ds:schemaRef ds:uri="http://schemas.microsoft.com/office/2006/metadata/properties"/>
-    <ds:schemaRef ds:uri="http://schemas.microsoft.com/office/2006/metadata/properties/metaAttributes"/>
-    <ds:schemaRef ds:uri="http://schemas.microsoft.com/office/infopath/2007/PartnerControls"/>
-    <ds:schemaRef ds:uri="http://schemas.openxmlformats.org/package/2006/metadata/core-properties"/>
-    <ds:schemaRef ds:uri="http://www.w3.org/2001/XMLSchema"/>
+    <ds:schemaRef ds:uri="http://schemas.microsoft.com/sharepoint/v3/contenttype/forms"/>
   </ds:schemaRefs>
 </ds:datastoreItem>
 </file>
@@ -5835,9 +6207,19 @@
 </file>
 
 <file path=customXml/itemProps3.xml><?xml version="1.0" encoding="utf-8"?>
-<ds:datastoreItem xmlns:ds="http://schemas.openxmlformats.org/officeDocument/2006/customXml" ds:itemID="{C0454BA2-445F-493F-A749-5C6317C1CE83}">
+<ds:datastoreItem xmlns:ds="http://schemas.openxmlformats.org/officeDocument/2006/customXml" ds:itemID="{BE36349A-D90C-47DB-9197-F15ABE81A076}">
   <ds:schemaRefs>
-    <ds:schemaRef ds:uri="http://schemas.microsoft.com/sharepoint/v3/contenttype/forms"/>
+    <ds:schemaRef ds:uri="e5542b5d-b517-4b2e-81d1-dd00da6f2ea6"/>
+    <ds:schemaRef ds:uri="http://purl.org/dc/elements/1.1/"/>
+    <ds:schemaRef ds:uri="http://purl.org/dc/terms/"/>
+    <ds:schemaRef ds:uri="http://schemas.microsoft.com/internal/obd"/>
+    <ds:schemaRef ds:uri="http://schemas.microsoft.com/office/2006/documentManagement/types"/>
+    <ds:schemaRef ds:uri="http://schemas.microsoft.com/office/2006/metadata/contentType"/>
+    <ds:schemaRef ds:uri="http://schemas.microsoft.com/office/2006/metadata/properties"/>
+    <ds:schemaRef ds:uri="http://schemas.microsoft.com/office/2006/metadata/properties/metaAttributes"/>
+    <ds:schemaRef ds:uri="http://schemas.microsoft.com/office/infopath/2007/PartnerControls"/>
+    <ds:schemaRef ds:uri="http://schemas.openxmlformats.org/package/2006/metadata/core-properties"/>
+    <ds:schemaRef ds:uri="http://www.w3.org/2001/XMLSchema"/>
   </ds:schemaRefs>
 </ds:datastoreItem>
 </file>